--- a/reports/crowdfunding_slidedeck.pptx
+++ b/reports/crowdfunding_slidedeck.pptx
@@ -18559,13 +18559,20 @@
         <p:spPr/>
         <p:txBody>
           <a:bodyPr>
-            <a:normAutofit/>
+            <a:normAutofit fontScale="90000"/>
           </a:bodyPr>
           <a:lstStyle/>
           <a:p>
             <a:r>
               <a:rPr lang="en-US" dirty="0" smtClean="0"/>
-              <a:t>Success</a:t>
+              <a:t>Success based on category</a:t>
+            </a:r>
+            <a:br>
+              <a:rPr lang="en-US" dirty="0" smtClean="0"/>
+            </a:br>
+            <a:r>
+              <a:rPr lang="en-US" dirty="0" smtClean="0"/>
+              <a:t>and country of origin</a:t>
             </a:r>
             <a:endParaRPr lang="en-US" dirty="0"/>
           </a:p>
@@ -18583,8 +18590,8 @@
         </p:nvSpPr>
         <p:spPr>
           <a:xfrm>
-            <a:off x="5943600" y="1752600"/>
-            <a:ext cx="2743200" cy="4373563"/>
+            <a:off x="4914900" y="1752600"/>
+            <a:ext cx="3683000" cy="4470400"/>
           </a:xfrm>
         </p:spPr>
         <p:txBody>
@@ -18696,13 +18703,13 @@
         <p:spPr/>
         <p:txBody>
           <a:bodyPr>
-            <a:normAutofit/>
+            <a:normAutofit fontScale="90000"/>
           </a:bodyPr>
           <a:lstStyle/>
           <a:p>
             <a:r>
               <a:rPr lang="en-US" dirty="0" smtClean="0"/>
-              <a:t>Country preferences</a:t>
+              <a:t>Category preferences based on country of origin</a:t>
             </a:r>
             <a:endParaRPr lang="en-US" dirty="0"/>
           </a:p>
@@ -19577,20 +19584,13 @@
         <p:spPr/>
         <p:txBody>
           <a:bodyPr>
-            <a:normAutofit fontScale="90000"/>
+            <a:normAutofit/>
           </a:bodyPr>
           <a:lstStyle/>
           <a:p>
             <a:r>
               <a:rPr lang="en-US" dirty="0" smtClean="0"/>
-              <a:t>Crowdfunding Projects</a:t>
-            </a:r>
-            <a:br>
-              <a:rPr lang="en-US" dirty="0" smtClean="0"/>
-            </a:br>
-            <a:r>
-              <a:rPr lang="en-US" dirty="0" smtClean="0"/>
-              <a:t>and their Success</a:t>
+              <a:t>Crowdfunding</a:t>
             </a:r>
             <a:endParaRPr lang="en-US" dirty="0"/>
           </a:p>
@@ -19614,7 +19614,7 @@
         </p:spPr>
         <p:txBody>
           <a:bodyPr>
-            <a:normAutofit/>
+            <a:normAutofit lnSpcReduction="10000"/>
           </a:bodyPr>
           <a:lstStyle/>
           <a:p>
@@ -19653,22 +19653,34 @@
             <a:pPr lvl="1"/>
             <a:r>
               <a:rPr lang="en-US" dirty="0" smtClean="0"/>
-              <a:t>Creative projects</a:t>
+              <a:t>Biggest, oldest</a:t>
             </a:r>
           </a:p>
           <a:p>
             <a:pPr lvl="1"/>
             <a:r>
               <a:rPr lang="en-US" dirty="0" smtClean="0"/>
-              <a:t>150,000 funded </a:t>
+              <a:t>250,000 creative </a:t>
+            </a:r>
+            <a:r>
+              <a:rPr lang="en-US" dirty="0" smtClean="0"/>
+              <a:t>projects</a:t>
             </a:r>
           </a:p>
           <a:p>
             <a:pPr lvl="1"/>
             <a:r>
               <a:rPr lang="en-US" dirty="0" smtClean="0"/>
-              <a:t>36% overall success rates</a:t>
-            </a:r>
+              <a:t>15 categories</a:t>
+            </a:r>
+          </a:p>
+          <a:p>
+            <a:pPr lvl="1"/>
+            <a:r>
+              <a:rPr lang="en-US" dirty="0" smtClean="0"/>
+              <a:t>International</a:t>
+            </a:r>
+            <a:endParaRPr lang="en-US" dirty="0" smtClean="0"/>
           </a:p>
           <a:p>
             <a:pPr lvl="1"/>
@@ -19860,20 +19872,13 @@
         <p:spPr/>
         <p:txBody>
           <a:bodyPr>
-            <a:normAutofit fontScale="90000"/>
+            <a:normAutofit/>
           </a:bodyPr>
           <a:lstStyle/>
           <a:p>
             <a:r>
               <a:rPr lang="en-US" dirty="0" smtClean="0"/>
-              <a:t>Crowdfunding Projects</a:t>
-            </a:r>
-            <a:br>
-              <a:rPr lang="en-US" dirty="0" smtClean="0"/>
-            </a:br>
-            <a:r>
-              <a:rPr lang="en-US" dirty="0" smtClean="0"/>
-              <a:t>and their Success</a:t>
+              <a:t>Competition for FUNDING</a:t>
             </a:r>
             <a:endParaRPr lang="en-US" dirty="0"/>
           </a:p>
@@ -19891,8 +19896,8 @@
         </p:nvSpPr>
         <p:spPr>
           <a:xfrm>
-            <a:off x="4589640" y="2025965"/>
-            <a:ext cx="4339402" cy="4373563"/>
+            <a:off x="4114800" y="1771965"/>
+            <a:ext cx="4814242" cy="4373563"/>
           </a:xfrm>
         </p:spPr>
         <p:txBody>
@@ -19901,43 +19906,32 @@
           </a:bodyPr>
           <a:lstStyle/>
           <a:p>
-            <a:r>
-              <a:rPr lang="en-US" dirty="0" smtClean="0"/>
-              <a:t>Crowdfunding platforms</a:t>
-            </a:r>
-          </a:p>
-          <a:p>
-            <a:pPr lvl="1"/>
-            <a:r>
-              <a:rPr lang="en-US" dirty="0" smtClean="0"/>
-              <a:t>Aggregate funds from small investors</a:t>
-            </a:r>
-          </a:p>
-          <a:p>
-            <a:pPr lvl="1"/>
-            <a:r>
-              <a:rPr lang="en-US" dirty="0" smtClean="0"/>
-              <a:t>New technology, art, journalism, games, personal projects, charity</a:t>
-            </a:r>
-          </a:p>
-          <a:p>
             <a:pPr marL="114300" indent="0">
               <a:buNone/>
             </a:pPr>
             <a:endParaRPr lang="en-US" dirty="0" smtClean="0"/>
           </a:p>
           <a:p>
+            <a:pPr lvl="1"/>
             <a:r>
               <a:rPr lang="en-US" dirty="0" smtClean="0"/>
-              <a:t>Kickstarter</a:t>
+              <a:t>Projects only funded if goal is reached</a:t>
             </a:r>
           </a:p>
           <a:p>
             <a:pPr lvl="1"/>
+            <a:endParaRPr lang="en-US" dirty="0" smtClean="0"/>
+          </a:p>
+          <a:p>
+            <a:pPr lvl="1"/>
             <a:r>
               <a:rPr lang="en-US" dirty="0" smtClean="0"/>
-              <a:t>Creative projects</a:t>
-            </a:r>
+              <a:t>Goals from $1 to $100,000,000</a:t>
+            </a:r>
+          </a:p>
+          <a:p>
+            <a:pPr lvl="1"/>
+            <a:endParaRPr lang="en-US" dirty="0" smtClean="0"/>
           </a:p>
           <a:p>
             <a:pPr lvl="1"/>
@@ -19945,13 +19939,38 @@
               <a:rPr lang="en-US" dirty="0" smtClean="0"/>
               <a:t>150,000 funded </a:t>
             </a:r>
+            <a:endParaRPr lang="en-US" dirty="0" smtClean="0"/>
           </a:p>
           <a:p>
             <a:pPr lvl="1"/>
+            <a:endParaRPr lang="en-US" dirty="0"/>
+          </a:p>
+          <a:p>
+            <a:pPr lvl="1"/>
             <a:r>
               <a:rPr lang="en-US" dirty="0" smtClean="0"/>
-              <a:t>36% overall success rates</a:t>
-            </a:r>
+              <a:t>36</a:t>
+            </a:r>
+            <a:r>
+              <a:rPr lang="en-US" dirty="0" smtClean="0"/>
+              <a:t>% overall success </a:t>
+            </a:r>
+            <a:r>
+              <a:rPr lang="en-US" dirty="0" smtClean="0"/>
+              <a:t>rates</a:t>
+            </a:r>
+          </a:p>
+          <a:p>
+            <a:pPr lvl="1"/>
+            <a:endParaRPr lang="en-US" dirty="0"/>
+          </a:p>
+          <a:p>
+            <a:pPr lvl="1"/>
+            <a:r>
+              <a:rPr lang="en-US" dirty="0" smtClean="0"/>
+              <a:t>How to increase the chances of success?</a:t>
+            </a:r>
+            <a:endParaRPr lang="en-US" dirty="0" smtClean="0"/>
           </a:p>
           <a:p>
             <a:pPr lvl="1"/>
@@ -19971,7 +19990,7 @@
       </p:sp>
       <p:pic>
         <p:nvPicPr>
-          <p:cNvPr id="8" name="Picture 7"/>
+          <p:cNvPr id="4" name="Picture 3"/>
           <p:cNvPicPr>
             <a:picLocks noChangeAspect="1"/>
           </p:cNvPicPr>
@@ -19985,112 +20004,12 @@
         </p:blipFill>
         <p:spPr>
           <a:xfrm>
-            <a:off x="235977" y="4181430"/>
-            <a:ext cx="4353663" cy="680993"/>
+            <a:off x="914400" y="2870200"/>
+            <a:ext cx="2971466" cy="2374900"/>
           </a:xfrm>
           <a:prstGeom prst="rect">
             <a:avLst/>
           </a:prstGeom>
-          <a:effectLst>
-            <a:outerShdw blurRad="50800" dist="114300" dir="2700000" algn="tl" rotWithShape="0">
-              <a:srgbClr val="000000">
-                <a:alpha val="43000"/>
-              </a:srgbClr>
-            </a:outerShdw>
-          </a:effectLst>
-        </p:spPr>
-      </p:pic>
-      <p:pic>
-        <p:nvPicPr>
-          <p:cNvPr id="9" name="Picture 8"/>
-          <p:cNvPicPr>
-            <a:picLocks noChangeAspect="1"/>
-          </p:cNvPicPr>
-          <p:nvPr/>
-        </p:nvPicPr>
-        <p:blipFill>
-          <a:blip r:embed="rId3"/>
-          <a:stretch>
-            <a:fillRect/>
-          </a:stretch>
-        </p:blipFill>
-        <p:spPr>
-          <a:xfrm>
-            <a:off x="677555" y="2012976"/>
-            <a:ext cx="3312503" cy="700329"/>
-          </a:xfrm>
-          <a:prstGeom prst="rect">
-            <a:avLst/>
-          </a:prstGeom>
-          <a:effectLst>
-            <a:outerShdw blurRad="50800" dist="114300" dir="2700000" algn="tl" rotWithShape="0">
-              <a:srgbClr val="000000">
-                <a:alpha val="43000"/>
-              </a:srgbClr>
-            </a:outerShdw>
-          </a:effectLst>
-        </p:spPr>
-      </p:pic>
-      <p:pic>
-        <p:nvPicPr>
-          <p:cNvPr id="10" name="Picture 9"/>
-          <p:cNvPicPr>
-            <a:picLocks noChangeAspect="1"/>
-          </p:cNvPicPr>
-          <p:nvPr/>
-        </p:nvPicPr>
-        <p:blipFill>
-          <a:blip r:embed="rId4"/>
-          <a:stretch>
-            <a:fillRect/>
-          </a:stretch>
-        </p:blipFill>
-        <p:spPr>
-          <a:xfrm>
-            <a:off x="235977" y="3094881"/>
-            <a:ext cx="4353663" cy="665208"/>
-          </a:xfrm>
-          <a:prstGeom prst="rect">
-            <a:avLst/>
-          </a:prstGeom>
-          <a:effectLst>
-            <a:outerShdw blurRad="50800" dist="114300" dir="2700000" algn="tl" rotWithShape="0">
-              <a:srgbClr val="000000">
-                <a:alpha val="43000"/>
-              </a:srgbClr>
-            </a:outerShdw>
-          </a:effectLst>
-        </p:spPr>
-      </p:pic>
-      <p:pic>
-        <p:nvPicPr>
-          <p:cNvPr id="11" name="Picture 10"/>
-          <p:cNvPicPr>
-            <a:picLocks noChangeAspect="1"/>
-          </p:cNvPicPr>
-          <p:nvPr/>
-        </p:nvPicPr>
-        <p:blipFill>
-          <a:blip r:embed="rId5"/>
-          <a:stretch>
-            <a:fillRect/>
-          </a:stretch>
-        </p:blipFill>
-        <p:spPr>
-          <a:xfrm>
-            <a:off x="426127" y="5311357"/>
-            <a:ext cx="3993473" cy="674743"/>
-          </a:xfrm>
-          <a:prstGeom prst="rect">
-            <a:avLst/>
-          </a:prstGeom>
-          <a:effectLst>
-            <a:outerShdw blurRad="50800" dist="114300" dir="2700000" algn="tl" rotWithShape="0">
-              <a:srgbClr val="000000">
-                <a:alpha val="43000"/>
-              </a:srgbClr>
-            </a:outerShdw>
-          </a:effectLst>
         </p:spPr>
       </p:pic>
     </p:spTree>
@@ -20156,7 +20075,7 @@
             </a:br>
             <a:r>
               <a:rPr lang="en-US" sz="3100" dirty="0" smtClean="0"/>
-              <a:t>in Historical data</a:t>
+              <a:t>and who cares?</a:t>
             </a:r>
             <a:endParaRPr lang="en-US" sz="3100" dirty="0"/>
           </a:p>
@@ -20174,13 +20093,13 @@
         </p:nvSpPr>
         <p:spPr>
           <a:xfrm>
-            <a:off x="4292600" y="1892300"/>
-            <a:ext cx="4610100" cy="4373563"/>
+            <a:off x="647700" y="1790700"/>
+            <a:ext cx="8255000" cy="4762500"/>
           </a:xfrm>
         </p:spPr>
         <p:txBody>
           <a:bodyPr>
-            <a:normAutofit fontScale="92500" lnSpcReduction="10000"/>
+            <a:normAutofit lnSpcReduction="10000"/>
           </a:bodyPr>
           <a:lstStyle/>
           <a:p>
@@ -20238,7 +20157,28 @@
             <a:pPr lvl="1"/>
             <a:r>
               <a:rPr lang="en-US" dirty="0" smtClean="0"/>
-              <a:t>Payment: fixed amount or percentage of funds if proposal is successful</a:t>
+              <a:t>Payment: fixed amount or percentage of funds if proposal is </a:t>
+            </a:r>
+            <a:r>
+              <a:rPr lang="en-US" dirty="0" smtClean="0"/>
+              <a:t>successful</a:t>
+            </a:r>
+          </a:p>
+          <a:p>
+            <a:pPr lvl="1"/>
+            <a:endParaRPr lang="en-US" dirty="0"/>
+          </a:p>
+          <a:p>
+            <a:r>
+              <a:rPr lang="en-US" dirty="0" smtClean="0"/>
+              <a:t>How?</a:t>
+            </a:r>
+          </a:p>
+          <a:p>
+            <a:pPr lvl="1"/>
+            <a:r>
+              <a:rPr lang="en-US" dirty="0" smtClean="0"/>
+              <a:t>Modeling based on historical data</a:t>
             </a:r>
             <a:endParaRPr lang="en-US" dirty="0"/>
           </a:p>
@@ -20294,13 +20234,20 @@
         <p:spPr/>
         <p:txBody>
           <a:bodyPr>
-            <a:normAutofit/>
+            <a:normAutofit fontScale="90000"/>
           </a:bodyPr>
           <a:lstStyle/>
           <a:p>
             <a:r>
               <a:rPr lang="en-US" dirty="0" smtClean="0"/>
-              <a:t>Datasets: sources and merging</a:t>
+              <a:t>Datasets:</a:t>
+            </a:r>
+            <a:br>
+              <a:rPr lang="en-US" dirty="0" smtClean="0"/>
+            </a:br>
+            <a:r>
+              <a:rPr lang="en-US" dirty="0" smtClean="0"/>
+              <a:t>sources and aggregation</a:t>
             </a:r>
             <a:endParaRPr lang="en-US" dirty="0"/>
           </a:p>
@@ -20799,7 +20746,12 @@
             <p:ph type="title"/>
           </p:nvPr>
         </p:nvSpPr>
-        <p:spPr/>
+        <p:spPr>
+          <a:xfrm>
+            <a:off x="426128" y="382972"/>
+            <a:ext cx="8260672" cy="1039427"/>
+          </a:xfrm>
+        </p:spPr>
         <p:txBody>
           <a:bodyPr/>
           <a:lstStyle/>
@@ -20809,25 +20761,6 @@
               <a:t>Exploratory Analysis</a:t>
             </a:r>
             <a:endParaRPr lang="en-US" dirty="0"/>
-          </a:p>
-        </p:txBody>
-      </p:sp>
-      <p:sp>
-        <p:nvSpPr>
-          <p:cNvPr id="3" name="Content Placeholder 2"/>
-          <p:cNvSpPr>
-            <a:spLocks noGrp="1"/>
-          </p:cNvSpPr>
-          <p:nvPr>
-            <p:ph idx="1"/>
-          </p:nvPr>
-        </p:nvSpPr>
-        <p:spPr/>
-        <p:txBody>
-          <a:bodyPr/>
-          <a:lstStyle/>
-          <a:p>
-            <a:endParaRPr lang="en-US"/>
           </a:p>
         </p:txBody>
       </p:sp>
@@ -20874,13 +20807,13 @@
         <p:spPr/>
         <p:txBody>
           <a:bodyPr>
-            <a:normAutofit fontScale="90000"/>
+            <a:normAutofit/>
           </a:bodyPr>
           <a:lstStyle/>
           <a:p>
             <a:r>
               <a:rPr lang="en-US" dirty="0" smtClean="0"/>
-              <a:t>Evolution of Features over time</a:t>
+              <a:t>Changes in TIME</a:t>
             </a:r>
             <a:endParaRPr lang="en-US" dirty="0"/>
           </a:p>
@@ -21071,7 +21004,7 @@
           <a:p>
             <a:r>
               <a:rPr lang="en-US" dirty="0" smtClean="0"/>
-              <a:t>Eliminating uninformative features</a:t>
+              <a:t>Smaller goals correlated with lower pledged amounts but higher success rates </a:t>
             </a:r>
             <a:endParaRPr lang="en-US" dirty="0"/>
           </a:p>

--- a/reports/crowdfunding_slidedeck.pptx
+++ b/reports/crowdfunding_slidedeck.pptx
@@ -9,7 +9,7 @@
     <p:sldMasterId id="2147484301" r:id="rId5"/>
   </p:sldMasterIdLst>
   <p:handoutMasterIdLst>
-    <p:handoutMasterId r:id="rId25"/>
+    <p:handoutMasterId r:id="rId26"/>
   </p:handoutMasterIdLst>
   <p:sldIdLst>
     <p:sldId id="256" r:id="rId6"/>
@@ -23,14 +23,15 @@
     <p:sldId id="265" r:id="rId14"/>
     <p:sldId id="264" r:id="rId15"/>
     <p:sldId id="266" r:id="rId16"/>
-    <p:sldId id="268" r:id="rId17"/>
-    <p:sldId id="269" r:id="rId18"/>
-    <p:sldId id="270" r:id="rId19"/>
-    <p:sldId id="272" r:id="rId20"/>
-    <p:sldId id="271" r:id="rId21"/>
-    <p:sldId id="273" r:id="rId22"/>
-    <p:sldId id="274" r:id="rId23"/>
-    <p:sldId id="275" r:id="rId24"/>
+    <p:sldId id="277" r:id="rId17"/>
+    <p:sldId id="268" r:id="rId18"/>
+    <p:sldId id="269" r:id="rId19"/>
+    <p:sldId id="270" r:id="rId20"/>
+    <p:sldId id="272" r:id="rId21"/>
+    <p:sldId id="271" r:id="rId22"/>
+    <p:sldId id="273" r:id="rId23"/>
+    <p:sldId id="274" r:id="rId24"/>
+    <p:sldId id="275" r:id="rId25"/>
   </p:sldIdLst>
   <p:sldSz cx="9144000" cy="6858000" type="screen4x3"/>
   <p:notesSz cx="6858000" cy="9144000"/>
@@ -18590,8 +18591,8 @@
         </p:nvSpPr>
         <p:spPr>
           <a:xfrm>
-            <a:off x="4914900" y="1752600"/>
-            <a:ext cx="3683000" cy="4470400"/>
+            <a:off x="4279900" y="2222499"/>
+            <a:ext cx="4584700" cy="3340101"/>
           </a:xfrm>
         </p:spPr>
         <p:txBody>
@@ -18600,15 +18601,17 @@
           <a:p>
             <a:r>
               <a:rPr lang="en-US" dirty="0" smtClean="0"/>
-              <a:t>Creating new features: category type</a:t>
-            </a:r>
+              <a:t>Statistically significant differences between proposal success in different categories and for different countries of origin</a:t>
+            </a:r>
+          </a:p>
+          <a:p>
+            <a:endParaRPr lang="en-US" dirty="0"/>
           </a:p>
           <a:p>
             <a:r>
               <a:rPr lang="en-US" dirty="0" smtClean="0"/>
-              <a:t>Eliminating uninformative features</a:t>
-            </a:r>
-            <a:endParaRPr lang="en-US" dirty="0"/>
+              <a:t>Are these differences correlated?</a:t>
+            </a:r>
           </a:p>
         </p:txBody>
       </p:sp>
@@ -18670,6 +18673,13 @@
   <p:clrMapOvr>
     <a:masterClrMapping/>
   </p:clrMapOvr>
+  <p:timing>
+    <p:tnLst>
+      <p:par>
+        <p:cTn xmlns:p14="http://schemas.microsoft.com/office/powerpoint/2010/main" id="1" dur="indefinite" restart="never" nodeType="tmRoot"/>
+      </p:par>
+    </p:tnLst>
+  </p:timing>
 </p:sld>
 </file>
 
@@ -18727,25 +18737,39 @@
         </p:nvSpPr>
         <p:spPr>
           <a:xfrm>
-            <a:off x="4876800" y="1752600"/>
-            <a:ext cx="3810000" cy="4373563"/>
+            <a:off x="124117" y="5507037"/>
+            <a:ext cx="5667083" cy="1147763"/>
           </a:xfrm>
         </p:spPr>
         <p:txBody>
-          <a:bodyPr/>
+          <a:bodyPr>
+            <a:normAutofit fontScale="85000" lnSpcReduction="20000"/>
+          </a:bodyPr>
           <a:lstStyle/>
           <a:p>
-            <a:r>
-              <a:rPr lang="en-US" dirty="0" smtClean="0"/>
-              <a:t>Creating new features: category type</a:t>
-            </a:r>
-          </a:p>
-          <a:p>
-            <a:r>
-              <a:rPr lang="en-US" dirty="0" smtClean="0"/>
-              <a:t>Eliminating uninformative features</a:t>
-            </a:r>
-            <a:endParaRPr lang="en-US" dirty="0"/>
+            <a:pPr marL="114300" indent="0">
+              <a:buNone/>
+            </a:pPr>
+            <a:r>
+              <a:rPr lang="en-US" sz="1800" dirty="0" smtClean="0"/>
+              <a:t>Similarity based on distances in the space of conditional probabilities of category choice, given a country of origin</a:t>
+            </a:r>
+          </a:p>
+          <a:p>
+            <a:pPr marL="114300" indent="0">
+              <a:buNone/>
+            </a:pPr>
+            <a:endParaRPr lang="en-US" sz="1800" dirty="0"/>
+          </a:p>
+          <a:p>
+            <a:pPr marL="114300" indent="0">
+              <a:buNone/>
+            </a:pPr>
+            <a:r>
+              <a:rPr lang="en-US" sz="1800" dirty="0" smtClean="0"/>
+              <a:t>Reduced to 2 dimensions using the principal component analysis (PCA)</a:t>
+            </a:r>
+            <a:endParaRPr lang="en-US" sz="1800" dirty="0"/>
           </a:p>
         </p:txBody>
       </p:sp>
@@ -18765,14 +18789,237 @@
         </p:blipFill>
         <p:spPr>
           <a:xfrm>
-            <a:off x="647700" y="2514600"/>
-            <a:ext cx="3998440" cy="2812591"/>
+            <a:off x="390268" y="1739900"/>
+            <a:ext cx="5235832" cy="3683000"/>
           </a:xfrm>
           <a:prstGeom prst="rect">
             <a:avLst/>
           </a:prstGeom>
         </p:spPr>
       </p:pic>
+      <p:sp>
+        <p:nvSpPr>
+          <p:cNvPr id="5" name="Content Placeholder 2"/>
+          <p:cNvSpPr txBox="1">
+            <a:spLocks/>
+          </p:cNvSpPr>
+          <p:nvPr/>
+        </p:nvSpPr>
+        <p:spPr>
+          <a:xfrm>
+            <a:off x="5626100" y="1905000"/>
+            <a:ext cx="3505200" cy="4749800"/>
+          </a:xfrm>
+          <a:prstGeom prst="rect">
+            <a:avLst/>
+          </a:prstGeom>
+        </p:spPr>
+        <p:txBody>
+          <a:bodyPr vert="horz" lIns="91440" tIns="45720" rIns="91440" bIns="45720" rtlCol="0">
+            <a:normAutofit/>
+          </a:bodyPr>
+          <a:lstStyle>
+            <a:lvl1pPr marL="342900" indent="-228600" algn="l" defTabSz="914400" rtl="0" eaLnBrk="1" latinLnBrk="0" hangingPunct="1">
+              <a:spcBef>
+                <a:spcPct val="20000"/>
+              </a:spcBef>
+              <a:buClr>
+                <a:schemeClr val="accent1"/>
+              </a:buClr>
+              <a:buFont typeface="Arial" pitchFamily="34" charset="0"/>
+              <a:buChar char="•"/>
+              <a:defRPr sz="2400" kern="1200">
+                <a:solidFill>
+                  <a:schemeClr val="tx2"/>
+                </a:solidFill>
+                <a:latin typeface="+mn-lt"/>
+                <a:ea typeface="+mn-ea"/>
+                <a:cs typeface="+mn-cs"/>
+              </a:defRPr>
+            </a:lvl1pPr>
+            <a:lvl2pPr marL="640080" indent="-228600" algn="l" defTabSz="914400" rtl="0" eaLnBrk="1" latinLnBrk="0" hangingPunct="1">
+              <a:spcBef>
+                <a:spcPct val="20000"/>
+              </a:spcBef>
+              <a:buClr>
+                <a:schemeClr val="accent2"/>
+              </a:buClr>
+              <a:buFont typeface="Arial" pitchFamily="34" charset="0"/>
+              <a:buChar char="•"/>
+              <a:defRPr sz="2000" kern="1200">
+                <a:solidFill>
+                  <a:schemeClr val="tx2"/>
+                </a:solidFill>
+                <a:latin typeface="+mn-lt"/>
+                <a:ea typeface="+mn-ea"/>
+                <a:cs typeface="+mn-cs"/>
+              </a:defRPr>
+            </a:lvl2pPr>
+            <a:lvl3pPr marL="914400" indent="-228600" algn="l" defTabSz="914400" rtl="0" eaLnBrk="1" latinLnBrk="0" hangingPunct="1">
+              <a:spcBef>
+                <a:spcPct val="20000"/>
+              </a:spcBef>
+              <a:buClr>
+                <a:schemeClr val="accent3"/>
+              </a:buClr>
+              <a:buFont typeface="Arial" pitchFamily="34" charset="0"/>
+              <a:buChar char="•"/>
+              <a:defRPr sz="1800" kern="1200">
+                <a:solidFill>
+                  <a:schemeClr val="tx2"/>
+                </a:solidFill>
+                <a:latin typeface="+mn-lt"/>
+                <a:ea typeface="+mn-ea"/>
+                <a:cs typeface="+mn-cs"/>
+              </a:defRPr>
+            </a:lvl3pPr>
+            <a:lvl4pPr marL="1280160" indent="-228600" algn="l" defTabSz="914400" rtl="0" eaLnBrk="1" latinLnBrk="0" hangingPunct="1">
+              <a:spcBef>
+                <a:spcPct val="20000"/>
+              </a:spcBef>
+              <a:buClr>
+                <a:schemeClr val="accent4"/>
+              </a:buClr>
+              <a:buFont typeface="Arial" pitchFamily="34" charset="0"/>
+              <a:buChar char="•"/>
+              <a:defRPr sz="1600" kern="1200">
+                <a:solidFill>
+                  <a:schemeClr val="tx2"/>
+                </a:solidFill>
+                <a:latin typeface="+mn-lt"/>
+                <a:ea typeface="+mn-ea"/>
+                <a:cs typeface="+mn-cs"/>
+              </a:defRPr>
+            </a:lvl4pPr>
+            <a:lvl5pPr marL="1554480" indent="-228600" algn="l" defTabSz="914400" rtl="0" eaLnBrk="1" latinLnBrk="0" hangingPunct="1">
+              <a:spcBef>
+                <a:spcPct val="20000"/>
+              </a:spcBef>
+              <a:buClr>
+                <a:schemeClr val="accent5"/>
+              </a:buClr>
+              <a:buFont typeface="Arial" pitchFamily="34" charset="0"/>
+              <a:buChar char="•"/>
+              <a:defRPr sz="1600" kern="1200" baseline="0">
+                <a:solidFill>
+                  <a:schemeClr val="tx2"/>
+                </a:solidFill>
+                <a:latin typeface="+mn-lt"/>
+                <a:ea typeface="+mn-ea"/>
+                <a:cs typeface="+mn-cs"/>
+              </a:defRPr>
+            </a:lvl5pPr>
+            <a:lvl6pPr marL="1737360" indent="-182880" algn="l" defTabSz="914400" rtl="0" eaLnBrk="1" latinLnBrk="0" hangingPunct="1">
+              <a:spcBef>
+                <a:spcPct val="20000"/>
+              </a:spcBef>
+              <a:buClr>
+                <a:schemeClr val="accent1"/>
+              </a:buClr>
+              <a:buFont typeface="Arial" pitchFamily="34" charset="0"/>
+              <a:buChar char="•"/>
+              <a:defRPr sz="1400" kern="1200">
+                <a:solidFill>
+                  <a:schemeClr val="tx2"/>
+                </a:solidFill>
+                <a:latin typeface="+mn-lt"/>
+                <a:ea typeface="+mn-ea"/>
+                <a:cs typeface="+mn-cs"/>
+              </a:defRPr>
+            </a:lvl6pPr>
+            <a:lvl7pPr marL="2011680" indent="-182880" algn="l" defTabSz="914400" rtl="0" eaLnBrk="1" latinLnBrk="0" hangingPunct="1">
+              <a:spcBef>
+                <a:spcPct val="20000"/>
+              </a:spcBef>
+              <a:buClr>
+                <a:schemeClr val="accent2"/>
+              </a:buClr>
+              <a:buFont typeface="Arial" pitchFamily="34" charset="0"/>
+              <a:buChar char="•"/>
+              <a:defRPr sz="1400" kern="1200">
+                <a:solidFill>
+                  <a:schemeClr val="tx2"/>
+                </a:solidFill>
+                <a:latin typeface="+mn-lt"/>
+                <a:ea typeface="+mn-ea"/>
+                <a:cs typeface="+mn-cs"/>
+              </a:defRPr>
+            </a:lvl7pPr>
+            <a:lvl8pPr marL="2194560" indent="-182880" algn="l" defTabSz="914400" rtl="0" eaLnBrk="1" latinLnBrk="0" hangingPunct="1">
+              <a:spcBef>
+                <a:spcPct val="20000"/>
+              </a:spcBef>
+              <a:buClr>
+                <a:schemeClr val="accent3"/>
+              </a:buClr>
+              <a:buFont typeface="Arial" pitchFamily="34" charset="0"/>
+              <a:buChar char="•"/>
+              <a:defRPr sz="1400" kern="1200">
+                <a:solidFill>
+                  <a:schemeClr val="tx2"/>
+                </a:solidFill>
+                <a:latin typeface="+mn-lt"/>
+                <a:ea typeface="+mn-ea"/>
+                <a:cs typeface="+mn-cs"/>
+              </a:defRPr>
+            </a:lvl8pPr>
+            <a:lvl9pPr marL="2377440" indent="-182880" algn="l" defTabSz="914400" rtl="0" eaLnBrk="1" latinLnBrk="0" hangingPunct="1">
+              <a:spcBef>
+                <a:spcPct val="20000"/>
+              </a:spcBef>
+              <a:buClr>
+                <a:schemeClr val="accent4"/>
+              </a:buClr>
+              <a:buFont typeface="Arial" pitchFamily="34" charset="0"/>
+              <a:buChar char="•"/>
+              <a:defRPr sz="1400" kern="1200">
+                <a:solidFill>
+                  <a:schemeClr val="tx2"/>
+                </a:solidFill>
+                <a:latin typeface="+mn-lt"/>
+                <a:ea typeface="+mn-ea"/>
+                <a:cs typeface="+mn-cs"/>
+              </a:defRPr>
+            </a:lvl9pPr>
+          </a:lstStyle>
+          <a:p>
+            <a:r>
+              <a:rPr lang="en-US" sz="2000" dirty="0" smtClean="0"/>
+              <a:t>Compare country-of-origin similarity based on category preferences</a:t>
+            </a:r>
+          </a:p>
+          <a:p>
+            <a:endParaRPr lang="en-US" sz="2000" dirty="0" smtClean="0"/>
+          </a:p>
+          <a:p>
+            <a:r>
+              <a:rPr lang="en-US" sz="2000" dirty="0" smtClean="0"/>
+              <a:t>Clear grouping of countries with similar geographic and cultural similarities:</a:t>
+            </a:r>
+          </a:p>
+          <a:p>
+            <a:endParaRPr lang="en-US" sz="2000" dirty="0" smtClean="0"/>
+          </a:p>
+          <a:p>
+            <a:r>
+              <a:rPr lang="en-US" sz="1800" dirty="0" smtClean="0"/>
+              <a:t>Europe vs. Asia vs. America</a:t>
+            </a:r>
+          </a:p>
+          <a:p>
+            <a:r>
+              <a:rPr lang="en-US" sz="1800" dirty="0" smtClean="0"/>
+              <a:t>Technologically advanced vs. developing</a:t>
+            </a:r>
+          </a:p>
+          <a:p>
+            <a:endParaRPr lang="en-US" sz="2000" dirty="0" smtClean="0"/>
+          </a:p>
+          <a:p>
+            <a:endParaRPr lang="en-US" sz="2000" dirty="0"/>
+          </a:p>
+        </p:txBody>
+      </p:sp>
     </p:spTree>
     <p:extLst>
       <p:ext uri="{BB962C8B-B14F-4D97-AF65-F5344CB8AC3E}">
@@ -18783,11 +19030,18 @@
   <p:clrMapOvr>
     <a:masterClrMapping/>
   </p:clrMapOvr>
+  <p:timing>
+    <p:tnLst>
+      <p:par>
+        <p:cTn xmlns:p14="http://schemas.microsoft.com/office/powerpoint/2010/main" id="1" dur="indefinite" restart="never" nodeType="tmRoot"/>
+      </p:par>
+    </p:tnLst>
+  </p:timing>
 </p:sld>
 </file>
 
 <file path=ppt/slides/slide12.xml><?xml version="1.0" encoding="utf-8"?>
-<p:sld xmlns:a="http://schemas.openxmlformats.org/drawingml/2006/main" xmlns:r="http://schemas.openxmlformats.org/officeDocument/2006/relationships" xmlns:p="http://schemas.openxmlformats.org/presentationml/2006/main">
+<p:sld xmlns:a="http://schemas.openxmlformats.org/drawingml/2006/main" xmlns:r="http://schemas.openxmlformats.org/officeDocument/2006/relationships" xmlns:p="http://schemas.openxmlformats.org/presentationml/2006/main" showMasterSp="0">
   <p:cSld>
     <p:spTree>
       <p:nvGrpSpPr>
@@ -18813,75 +19067,24 @@
             <p:ph type="title"/>
           </p:nvPr>
         </p:nvSpPr>
-        <p:spPr/>
-        <p:txBody>
-          <a:bodyPr>
-            <a:normAutofit/>
-          </a:bodyPr>
+        <p:spPr>
+          <a:xfrm>
+            <a:off x="426128" y="2707072"/>
+            <a:ext cx="8260672" cy="1039427"/>
+          </a:xfrm>
+          <a:solidFill>
+            <a:schemeClr val="bg1">
+              <a:lumMod val="95000"/>
+            </a:schemeClr>
+          </a:solidFill>
+        </p:spPr>
+        <p:txBody>
+          <a:bodyPr/>
           <a:lstStyle/>
           <a:p>
             <a:r>
               <a:rPr lang="en-US" dirty="0" smtClean="0"/>
               <a:t>Predictive modeling</a:t>
-            </a:r>
-            <a:endParaRPr lang="en-US" dirty="0"/>
-          </a:p>
-        </p:txBody>
-      </p:sp>
-      <p:sp>
-        <p:nvSpPr>
-          <p:cNvPr id="3" name="Content Placeholder 2"/>
-          <p:cNvSpPr>
-            <a:spLocks noGrp="1"/>
-          </p:cNvSpPr>
-          <p:nvPr>
-            <p:ph idx="1"/>
-          </p:nvPr>
-        </p:nvSpPr>
-        <p:spPr/>
-        <p:txBody>
-          <a:bodyPr/>
-          <a:lstStyle/>
-          <a:p>
-            <a:r>
-              <a:rPr lang="en-US" dirty="0" smtClean="0"/>
-              <a:t>Supervise learning</a:t>
-            </a:r>
-          </a:p>
-          <a:p>
-            <a:r>
-              <a:rPr lang="en-US" dirty="0" smtClean="0"/>
-              <a:t>Binary classification: Success (1) or Failure (0)</a:t>
-            </a:r>
-          </a:p>
-          <a:p>
-            <a:endParaRPr lang="en-US" dirty="0" smtClean="0"/>
-          </a:p>
-          <a:p>
-            <a:endParaRPr lang="en-US" dirty="0"/>
-          </a:p>
-          <a:p>
-            <a:endParaRPr lang="en-US" dirty="0" smtClean="0"/>
-          </a:p>
-          <a:p>
-            <a:r>
-              <a:rPr lang="en-US" dirty="0" smtClean="0"/>
-              <a:t>Tools</a:t>
-            </a:r>
-          </a:p>
-          <a:p>
-            <a:pPr lvl="1"/>
-            <a:r>
-              <a:rPr lang="en-US" dirty="0" smtClean="0"/>
-              <a:t>Pandas + </a:t>
-            </a:r>
-            <a:r>
-              <a:rPr lang="en-US" dirty="0" err="1" smtClean="0"/>
-              <a:t>Scikit</a:t>
-            </a:r>
-            <a:r>
-              <a:rPr lang="en-US" dirty="0" smtClean="0"/>
-              <a:t>-learn libraries</a:t>
             </a:r>
             <a:endParaRPr lang="en-US" dirty="0"/>
           </a:p>
@@ -18890,13 +19093,20 @@
     </p:spTree>
     <p:extLst>
       <p:ext uri="{BB962C8B-B14F-4D97-AF65-F5344CB8AC3E}">
-        <p14:creationId xmlns:p14="http://schemas.microsoft.com/office/powerpoint/2010/main" val="2018174599"/>
+        <p14:creationId xmlns:p14="http://schemas.microsoft.com/office/powerpoint/2010/main" val="3029158275"/>
       </p:ext>
     </p:extLst>
   </p:cSld>
   <p:clrMapOvr>
     <a:masterClrMapping/>
   </p:clrMapOvr>
+  <p:timing>
+    <p:tnLst>
+      <p:par>
+        <p:cTn xmlns:p14="http://schemas.microsoft.com/office/powerpoint/2010/main" id="1" dur="indefinite" restart="never" nodeType="tmRoot"/>
+      </p:par>
+    </p:tnLst>
+  </p:timing>
 </p:sld>
 </file>
 
@@ -18936,7 +19146,7 @@
           <a:p>
             <a:r>
               <a:rPr lang="en-US" dirty="0" smtClean="0"/>
-              <a:t>Data preparation</a:t>
+              <a:t>Approach</a:t>
             </a:r>
             <a:endParaRPr lang="en-US" dirty="0"/>
           </a:p>
@@ -18954,16 +19164,352 @@
         </p:nvSpPr>
         <p:spPr/>
         <p:txBody>
-          <a:bodyPr/>
+          <a:bodyPr>
+            <a:normAutofit lnSpcReduction="10000"/>
+          </a:bodyPr>
           <a:lstStyle/>
           <a:p>
             <a:r>
               <a:rPr lang="en-US" dirty="0" smtClean="0"/>
-              <a:t>One-hot encoding of categorical variables</a:t>
-            </a:r>
-          </a:p>
-          <a:p>
+              <a:t>Supervised learning</a:t>
+            </a:r>
+          </a:p>
+          <a:p>
+            <a:endParaRPr lang="en-US" dirty="0" smtClean="0"/>
+          </a:p>
+          <a:p>
+            <a:r>
+              <a:rPr lang="en-US" dirty="0" smtClean="0"/>
+              <a:t>Binary classification:</a:t>
+            </a:r>
+          </a:p>
+          <a:p>
+            <a:pPr lvl="1"/>
+            <a:r>
+              <a:rPr lang="en-US" dirty="0" smtClean="0"/>
+              <a:t> Success (1) or Failure (0)</a:t>
+            </a:r>
+          </a:p>
+          <a:p>
+            <a:pPr marL="114300" indent="0">
+              <a:buNone/>
+            </a:pPr>
+            <a:endParaRPr lang="en-US" dirty="0" smtClean="0"/>
+          </a:p>
+          <a:p>
+            <a:r>
+              <a:rPr lang="en-US" dirty="0" smtClean="0"/>
+              <a:t>Logistic regression</a:t>
+            </a:r>
+          </a:p>
+          <a:p>
+            <a:endParaRPr lang="en-US" dirty="0" smtClean="0"/>
+          </a:p>
+          <a:p>
+            <a:r>
+              <a:rPr lang="en-US" dirty="0" smtClean="0"/>
+              <a:t>Feature selection</a:t>
+            </a:r>
+          </a:p>
+          <a:p>
+            <a:pPr marL="114300" indent="0">
+              <a:buNone/>
+            </a:pPr>
+            <a:endParaRPr lang="en-US" dirty="0" smtClean="0"/>
+          </a:p>
+          <a:p>
+            <a:r>
+              <a:rPr lang="en-US" dirty="0" smtClean="0"/>
+              <a:t>Tools</a:t>
+            </a:r>
+          </a:p>
+          <a:p>
+            <a:pPr lvl="1"/>
+            <a:r>
+              <a:rPr lang="en-US" dirty="0" smtClean="0"/>
+              <a:t>Pandas + </a:t>
+            </a:r>
+            <a:r>
+              <a:rPr lang="en-US" dirty="0" err="1" smtClean="0"/>
+              <a:t>Scikit</a:t>
+            </a:r>
+            <a:r>
+              <a:rPr lang="en-US" dirty="0" smtClean="0"/>
+              <a:t>-learn libraries</a:t>
+            </a:r>
             <a:endParaRPr lang="en-US" dirty="0"/>
+          </a:p>
+        </p:txBody>
+      </p:sp>
+      <p:graphicFrame>
+        <p:nvGraphicFramePr>
+          <p:cNvPr id="4" name="Table 3"/>
+          <p:cNvGraphicFramePr>
+            <a:graphicFrameLocks noGrp="1"/>
+          </p:cNvGraphicFramePr>
+          <p:nvPr>
+            <p:extLst>
+              <p:ext uri="{D42A27DB-BD31-4B8C-83A1-F6EECF244321}">
+                <p14:modId xmlns:p14="http://schemas.microsoft.com/office/powerpoint/2010/main" val="3309860134"/>
+              </p:ext>
+            </p:extLst>
+          </p:nvPr>
+        </p:nvGraphicFramePr>
+        <p:xfrm>
+          <a:off x="4737100" y="2641600"/>
+          <a:ext cx="4064000" cy="2595880"/>
+        </p:xfrm>
+        <a:graphic>
+          <a:graphicData uri="http://schemas.openxmlformats.org/drawingml/2006/table">
+            <a:tbl>
+              <a:tblPr firstRow="1" bandRow="1">
+                <a:tableStyleId>{5C22544A-7EE6-4342-B048-85BDC9FD1C3A}</a:tableStyleId>
+              </a:tblPr>
+              <a:tblGrid>
+                <a:gridCol w="2451100"/>
+                <a:gridCol w="1612900"/>
+              </a:tblGrid>
+              <a:tr h="370840">
+                <a:tc>
+                  <a:txBody>
+                    <a:bodyPr/>
+                    <a:lstStyle/>
+                    <a:p>
+                      <a:r>
+                        <a:rPr lang="en-US" dirty="0" smtClean="0"/>
+                        <a:t>Feature</a:t>
+                      </a:r>
+                      <a:endParaRPr lang="en-US" dirty="0"/>
+                    </a:p>
+                  </a:txBody>
+                  <a:tcPr/>
+                </a:tc>
+                <a:tc>
+                  <a:txBody>
+                    <a:bodyPr/>
+                    <a:lstStyle/>
+                    <a:p>
+                      <a:r>
+                        <a:rPr lang="en-US" dirty="0" smtClean="0"/>
+                        <a:t>Type</a:t>
+                      </a:r>
+                      <a:endParaRPr lang="en-US" dirty="0"/>
+                    </a:p>
+                  </a:txBody>
+                  <a:tcPr/>
+                </a:tc>
+              </a:tr>
+              <a:tr h="370840">
+                <a:tc>
+                  <a:txBody>
+                    <a:bodyPr/>
+                    <a:lstStyle/>
+                    <a:p>
+                      <a:r>
+                        <a:rPr lang="en-US" dirty="0" smtClean="0"/>
+                        <a:t>Goal amount</a:t>
+                      </a:r>
+                      <a:endParaRPr lang="en-US" dirty="0"/>
+                    </a:p>
+                  </a:txBody>
+                  <a:tcPr/>
+                </a:tc>
+                <a:tc>
+                  <a:txBody>
+                    <a:bodyPr/>
+                    <a:lstStyle/>
+                    <a:p>
+                      <a:r>
+                        <a:rPr lang="en-US" dirty="0" smtClean="0"/>
+                        <a:t>Numerical</a:t>
+                      </a:r>
+                      <a:endParaRPr lang="en-US" dirty="0"/>
+                    </a:p>
+                  </a:txBody>
+                  <a:tcPr/>
+                </a:tc>
+              </a:tr>
+              <a:tr h="370840">
+                <a:tc>
+                  <a:txBody>
+                    <a:bodyPr/>
+                    <a:lstStyle/>
+                    <a:p>
+                      <a:r>
+                        <a:rPr lang="en-US" dirty="0" smtClean="0"/>
+                        <a:t>Category type</a:t>
+                      </a:r>
+                      <a:endParaRPr lang="en-US" dirty="0"/>
+                    </a:p>
+                  </a:txBody>
+                  <a:tcPr/>
+                </a:tc>
+                <a:tc>
+                  <a:txBody>
+                    <a:bodyPr/>
+                    <a:lstStyle/>
+                    <a:p>
+                      <a:r>
+                        <a:rPr lang="en-US" dirty="0" smtClean="0"/>
+                        <a:t>Categorical</a:t>
+                      </a:r>
+                      <a:endParaRPr lang="en-US" dirty="0"/>
+                    </a:p>
+                  </a:txBody>
+                  <a:tcPr/>
+                </a:tc>
+              </a:tr>
+              <a:tr h="370840">
+                <a:tc>
+                  <a:txBody>
+                    <a:bodyPr/>
+                    <a:lstStyle/>
+                    <a:p>
+                      <a:r>
+                        <a:rPr lang="en-US" dirty="0" smtClean="0"/>
+                        <a:t>Country of origin</a:t>
+                      </a:r>
+                      <a:endParaRPr lang="en-US" dirty="0"/>
+                    </a:p>
+                  </a:txBody>
+                  <a:tcPr/>
+                </a:tc>
+                <a:tc>
+                  <a:txBody>
+                    <a:bodyPr/>
+                    <a:lstStyle/>
+                    <a:p>
+                      <a:r>
+                        <a:rPr lang="en-US" dirty="0" smtClean="0"/>
+                        <a:t>Categorical</a:t>
+                      </a:r>
+                      <a:endParaRPr lang="en-US" dirty="0"/>
+                    </a:p>
+                  </a:txBody>
+                  <a:tcPr/>
+                </a:tc>
+              </a:tr>
+              <a:tr h="370840">
+                <a:tc>
+                  <a:txBody>
+                    <a:bodyPr/>
+                    <a:lstStyle/>
+                    <a:p>
+                      <a:r>
+                        <a:rPr lang="en-US" dirty="0" smtClean="0"/>
+                        <a:t>Project name</a:t>
+                      </a:r>
+                      <a:endParaRPr lang="en-US" dirty="0"/>
+                    </a:p>
+                  </a:txBody>
+                  <a:tcPr/>
+                </a:tc>
+                <a:tc>
+                  <a:txBody>
+                    <a:bodyPr/>
+                    <a:lstStyle/>
+                    <a:p>
+                      <a:r>
+                        <a:rPr lang="en-US" dirty="0" smtClean="0"/>
+                        <a:t>Text</a:t>
+                      </a:r>
+                      <a:endParaRPr lang="en-US" dirty="0"/>
+                    </a:p>
+                  </a:txBody>
+                  <a:tcPr/>
+                </a:tc>
+              </a:tr>
+              <a:tr h="370840">
+                <a:tc>
+                  <a:txBody>
+                    <a:bodyPr/>
+                    <a:lstStyle/>
+                    <a:p>
+                      <a:r>
+                        <a:rPr lang="en-US" dirty="0" smtClean="0"/>
+                        <a:t>Project description</a:t>
+                      </a:r>
+                      <a:endParaRPr lang="en-US" dirty="0"/>
+                    </a:p>
+                  </a:txBody>
+                  <a:tcPr/>
+                </a:tc>
+                <a:tc>
+                  <a:txBody>
+                    <a:bodyPr/>
+                    <a:lstStyle/>
+                    <a:p>
+                      <a:r>
+                        <a:rPr lang="en-US" dirty="0" smtClean="0"/>
+                        <a:t>Text</a:t>
+                      </a:r>
+                      <a:endParaRPr lang="en-US" dirty="0"/>
+                    </a:p>
+                  </a:txBody>
+                  <a:tcPr/>
+                </a:tc>
+              </a:tr>
+              <a:tr h="370840">
+                <a:tc>
+                  <a:txBody>
+                    <a:bodyPr/>
+                    <a:lstStyle/>
+                    <a:p>
+                      <a:r>
+                        <a:rPr lang="en-US" dirty="0" smtClean="0"/>
+                        <a:t>Project name length</a:t>
+                      </a:r>
+                      <a:endParaRPr lang="en-US" dirty="0"/>
+                    </a:p>
+                  </a:txBody>
+                  <a:tcPr/>
+                </a:tc>
+                <a:tc>
+                  <a:txBody>
+                    <a:bodyPr/>
+                    <a:lstStyle/>
+                    <a:p>
+                      <a:r>
+                        <a:rPr lang="en-US" dirty="0" smtClean="0"/>
+                        <a:t>Numerical</a:t>
+                      </a:r>
+                      <a:endParaRPr lang="en-US" dirty="0"/>
+                    </a:p>
+                  </a:txBody>
+                  <a:tcPr/>
+                </a:tc>
+              </a:tr>
+            </a:tbl>
+          </a:graphicData>
+        </a:graphic>
+      </p:graphicFrame>
+      <p:sp>
+        <p:nvSpPr>
+          <p:cNvPr id="5" name="TextBox 4"/>
+          <p:cNvSpPr txBox="1"/>
+          <p:nvPr/>
+        </p:nvSpPr>
+        <p:spPr>
+          <a:xfrm>
+            <a:off x="5651500" y="2146300"/>
+            <a:ext cx="2424462" cy="369332"/>
+          </a:xfrm>
+          <a:prstGeom prst="rect">
+            <a:avLst/>
+          </a:prstGeom>
+          <a:noFill/>
+        </p:spPr>
+        <p:txBody>
+          <a:bodyPr wrap="none" rtlCol="0">
+            <a:spAutoFit/>
+          </a:bodyPr>
+          <a:lstStyle/>
+          <a:p>
+            <a:r>
+              <a:rPr lang="en-US" b="1" dirty="0" smtClean="0"/>
+              <a:t>Informative features</a:t>
+            </a:r>
+            <a:endParaRPr lang="en-US" b="1" dirty="0"/>
           </a:p>
         </p:txBody>
       </p:sp>
@@ -18977,6 +19523,13 @@
   <p:clrMapOvr>
     <a:masterClrMapping/>
   </p:clrMapOvr>
+  <p:timing>
+    <p:tnLst>
+      <p:par>
+        <p:cTn xmlns:p14="http://schemas.microsoft.com/office/powerpoint/2010/main" id="1" dur="indefinite" restart="never" nodeType="tmRoot"/>
+      </p:par>
+    </p:tnLst>
+  </p:timing>
 </p:sld>
 </file>
 
@@ -19016,7 +19569,7 @@
           <a:p>
             <a:r>
               <a:rPr lang="en-US" dirty="0" smtClean="0"/>
-              <a:t>Handling Textual data</a:t>
+              <a:t>Data preparation</a:t>
             </a:r>
             <a:endParaRPr lang="en-US" dirty="0"/>
           </a:p>
@@ -19034,19 +19587,73 @@
         </p:nvSpPr>
         <p:spPr/>
         <p:txBody>
-          <a:bodyPr/>
+          <a:bodyPr>
+            <a:normAutofit fontScale="92500"/>
+          </a:bodyPr>
           <a:lstStyle/>
           <a:p>
+            <a:pPr marL="114300" indent="0">
+              <a:buNone/>
+            </a:pPr>
+            <a:endParaRPr lang="en-US" dirty="0"/>
+          </a:p>
+          <a:p>
             <a:r>
               <a:rPr lang="en-US" dirty="0" smtClean="0"/>
-              <a:t>Creating new features: category type</a:t>
-            </a:r>
-          </a:p>
-          <a:p>
+              <a:t>One-hot encoding of categorical variables</a:t>
+            </a:r>
+          </a:p>
+          <a:p>
+            <a:pPr lvl="1"/>
             <a:r>
               <a:rPr lang="en-US" dirty="0" smtClean="0"/>
-              <a:t>Eliminating uninformative features</a:t>
-            </a:r>
+              <a:t>Category type, country of origin</a:t>
+            </a:r>
+          </a:p>
+          <a:p>
+            <a:pPr lvl="1"/>
+            <a:endParaRPr lang="en-US" dirty="0" smtClean="0"/>
+          </a:p>
+          <a:p>
+            <a:r>
+              <a:rPr lang="en-US" dirty="0" smtClean="0"/>
+              <a:t>Conversion of text to count vectors</a:t>
+            </a:r>
+          </a:p>
+          <a:p>
+            <a:endParaRPr lang="en-US" dirty="0" smtClean="0"/>
+          </a:p>
+          <a:p>
+            <a:r>
+              <a:rPr lang="en-US" dirty="0" smtClean="0"/>
+              <a:t>Logarithm of goal amounts </a:t>
+            </a:r>
+          </a:p>
+          <a:p>
+            <a:endParaRPr lang="en-US" dirty="0"/>
+          </a:p>
+          <a:p>
+            <a:r>
+              <a:rPr lang="en-US" dirty="0" smtClean="0"/>
+              <a:t>Separate goal amounts features for each category type</a:t>
+            </a:r>
+            <a:endParaRPr lang="en-US" dirty="0"/>
+          </a:p>
+          <a:p>
+            <a:endParaRPr lang="en-US" dirty="0" smtClean="0"/>
+          </a:p>
+          <a:p>
+            <a:r>
+              <a:rPr lang="en-US" dirty="0" smtClean="0"/>
+              <a:t>Input to ML pipeline in the form of pandas </a:t>
+            </a:r>
+            <a:r>
+              <a:rPr lang="en-US" dirty="0" err="1" smtClean="0"/>
+              <a:t>dataframe</a:t>
+            </a:r>
+            <a:endParaRPr lang="en-US" dirty="0" smtClean="0"/>
+          </a:p>
+          <a:p>
             <a:endParaRPr lang="en-US" dirty="0"/>
           </a:p>
         </p:txBody>
@@ -19054,13 +19661,20 @@
     </p:spTree>
     <p:extLst>
       <p:ext uri="{BB962C8B-B14F-4D97-AF65-F5344CB8AC3E}">
-        <p14:creationId xmlns:p14="http://schemas.microsoft.com/office/powerpoint/2010/main" val="754489400"/>
+        <p14:creationId xmlns:p14="http://schemas.microsoft.com/office/powerpoint/2010/main" val="2018174599"/>
       </p:ext>
     </p:extLst>
   </p:cSld>
   <p:clrMapOvr>
     <a:masterClrMapping/>
   </p:clrMapOvr>
+  <p:timing>
+    <p:tnLst>
+      <p:par>
+        <p:cTn xmlns:p14="http://schemas.microsoft.com/office/powerpoint/2010/main" id="1" dur="indefinite" restart="never" nodeType="tmRoot"/>
+      </p:par>
+    </p:tnLst>
+  </p:timing>
 </p:sld>
 </file>
 
@@ -19100,7 +19714,7 @@
           <a:p>
             <a:r>
               <a:rPr lang="en-US" dirty="0" smtClean="0"/>
-              <a:t>Logistic Regression</a:t>
+              <a:t>Handling Textual data</a:t>
             </a:r>
             <a:endParaRPr lang="en-US" dirty="0"/>
           </a:p>
@@ -19116,22 +19730,121 @@
             <p:ph idx="1"/>
           </p:nvPr>
         </p:nvSpPr>
-        <p:spPr/>
-        <p:txBody>
-          <a:bodyPr/>
+        <p:spPr>
+          <a:xfrm>
+            <a:off x="4445000" y="1752600"/>
+            <a:ext cx="4241800" cy="4699000"/>
+          </a:xfrm>
+        </p:spPr>
+        <p:txBody>
+          <a:bodyPr>
+            <a:normAutofit fontScale="85000" lnSpcReduction="20000"/>
+          </a:bodyPr>
           <a:lstStyle/>
           <a:p>
             <a:r>
               <a:rPr lang="en-US" dirty="0" smtClean="0"/>
-              <a:t>Creating new features: category type</a:t>
-            </a:r>
-          </a:p>
-          <a:p>
+              <a:t>Features: </a:t>
+            </a:r>
+            <a:r>
+              <a:rPr lang="en-US" i="1" dirty="0" smtClean="0"/>
+              <a:t>project name</a:t>
+            </a:r>
             <a:r>
               <a:rPr lang="en-US" dirty="0" smtClean="0"/>
-              <a:t>Eliminating uninformative features</a:t>
-            </a:r>
+              <a:t>, </a:t>
+            </a:r>
+            <a:r>
+              <a:rPr lang="en-US" i="1" dirty="0" smtClean="0"/>
+              <a:t>project description</a:t>
+            </a:r>
+          </a:p>
+          <a:p>
+            <a:endParaRPr lang="en-US" i="1" dirty="0"/>
+          </a:p>
+          <a:p>
+            <a:r>
+              <a:rPr lang="en-US" dirty="0"/>
+              <a:t>S</a:t>
+            </a:r>
+            <a:r>
+              <a:rPr lang="en-US" dirty="0" smtClean="0"/>
+              <a:t>imple </a:t>
+            </a:r>
+            <a:r>
+              <a:rPr lang="en-US" i="1" dirty="0" smtClean="0"/>
+              <a:t>‘Bag of words’ </a:t>
+            </a:r>
+            <a:r>
+              <a:rPr lang="en-US" dirty="0" smtClean="0"/>
+              <a:t>approach</a:t>
+            </a:r>
+            <a:endParaRPr lang="en-US" i="1" dirty="0" smtClean="0"/>
+          </a:p>
+          <a:p>
+            <a:endParaRPr lang="en-US" i="1" dirty="0" smtClean="0"/>
+          </a:p>
+          <a:p>
+            <a:r>
+              <a:rPr lang="en-US" dirty="0" smtClean="0">
+                <a:solidFill>
+                  <a:schemeClr val="tx1"/>
+                </a:solidFill>
+              </a:rPr>
+              <a:t>Conversion to count statistics: </a:t>
+            </a:r>
+            <a:r>
+              <a:rPr lang="en-US" dirty="0" err="1" smtClean="0">
+                <a:solidFill>
+                  <a:schemeClr val="tx1"/>
+                </a:solidFill>
+              </a:rPr>
+              <a:t>CountVectoriser</a:t>
+            </a:r>
+            <a:r>
+              <a:rPr lang="en-US" dirty="0" smtClean="0"/>
+              <a:t>()</a:t>
+            </a:r>
+          </a:p>
+          <a:p>
             <a:endParaRPr lang="en-US" dirty="0"/>
+          </a:p>
+          <a:p>
+            <a:r>
+              <a:rPr lang="en-US" dirty="0" smtClean="0"/>
+              <a:t>Selection of most informative words</a:t>
+            </a:r>
+          </a:p>
+          <a:p>
+            <a:pPr lvl="1"/>
+            <a:r>
+              <a:rPr lang="en-US" dirty="0" smtClean="0"/>
+              <a:t>Chi-squared statistics, </a:t>
+            </a:r>
+            <a:r>
+              <a:rPr lang="en-US" dirty="0" err="1" smtClean="0"/>
+              <a:t>KBest</a:t>
+            </a:r>
+            <a:r>
+              <a:rPr lang="en-US" dirty="0" smtClean="0"/>
+              <a:t> selection</a:t>
+            </a:r>
+          </a:p>
+          <a:p>
+            <a:pPr lvl="1"/>
+            <a:endParaRPr lang="en-US" dirty="0"/>
+          </a:p>
+          <a:p>
+            <a:r>
+              <a:rPr lang="en-US" dirty="0" smtClean="0"/>
+              <a:t>Counts for selected words used in logistic regression</a:t>
+            </a:r>
+          </a:p>
+          <a:p>
+            <a:endParaRPr lang="en-US" dirty="0"/>
+          </a:p>
+          <a:p>
+            <a:endParaRPr lang="en-US" dirty="0" smtClean="0"/>
           </a:p>
         </p:txBody>
       </p:sp>
@@ -19151,24 +19864,34 @@
         </p:blipFill>
         <p:spPr>
           <a:xfrm>
-            <a:off x="952500" y="2929402"/>
-            <a:ext cx="2806700" cy="2798297"/>
+            <a:off x="426128" y="1892300"/>
+            <a:ext cx="4008434" cy="4419600"/>
           </a:xfrm>
           <a:prstGeom prst="rect">
             <a:avLst/>
           </a:prstGeom>
+          <a:solidFill>
+            <a:schemeClr val="bg1"/>
+          </a:solidFill>
         </p:spPr>
       </p:pic>
     </p:spTree>
     <p:extLst>
       <p:ext uri="{BB962C8B-B14F-4D97-AF65-F5344CB8AC3E}">
-        <p14:creationId xmlns:p14="http://schemas.microsoft.com/office/powerpoint/2010/main" val="2019933275"/>
+        <p14:creationId xmlns:p14="http://schemas.microsoft.com/office/powerpoint/2010/main" val="754489400"/>
       </p:ext>
     </p:extLst>
   </p:cSld>
   <p:clrMapOvr>
     <a:masterClrMapping/>
   </p:clrMapOvr>
+  <p:timing>
+    <p:tnLst>
+      <p:par>
+        <p:cTn xmlns:p14="http://schemas.microsoft.com/office/powerpoint/2010/main" id="1" dur="indefinite" restart="never" nodeType="tmRoot"/>
+      </p:par>
+    </p:tnLst>
+  </p:timing>
 </p:sld>
 </file>
 
@@ -19202,13 +19925,20 @@
         <p:spPr/>
         <p:txBody>
           <a:bodyPr>
-            <a:normAutofit/>
+            <a:normAutofit fontScale="90000"/>
           </a:bodyPr>
           <a:lstStyle/>
           <a:p>
             <a:r>
               <a:rPr lang="en-US" dirty="0" smtClean="0"/>
-              <a:t>Modeling Pipeline</a:t>
+              <a:t>Logistic Regression</a:t>
+            </a:r>
+            <a:br>
+              <a:rPr lang="en-US" dirty="0" smtClean="0"/>
+            </a:br>
+            <a:r>
+              <a:rPr lang="en-US" dirty="0" smtClean="0"/>
+              <a:t>classification</a:t>
             </a:r>
             <a:endParaRPr lang="en-US" dirty="0"/>
           </a:p>
@@ -19224,35 +19954,99 @@
             <p:ph idx="1"/>
           </p:nvPr>
         </p:nvSpPr>
-        <p:spPr/>
+        <p:spPr>
+          <a:xfrm>
+            <a:off x="4457700" y="1765300"/>
+            <a:ext cx="4356100" cy="4373563"/>
+          </a:xfrm>
+        </p:spPr>
         <p:txBody>
           <a:bodyPr/>
           <a:lstStyle/>
           <a:p>
             <a:r>
               <a:rPr lang="en-US" dirty="0" smtClean="0"/>
-              <a:t>Creating new features: category type</a:t>
-            </a:r>
-          </a:p>
-          <a:p>
+              <a:t>Simple, fast, easy interpretation</a:t>
+            </a:r>
+          </a:p>
+          <a:p>
+            <a:endParaRPr lang="en-US" dirty="0" smtClean="0"/>
+          </a:p>
+          <a:p>
+            <a:r>
+              <a:rPr lang="en-US" dirty="0" err="1" smtClean="0"/>
+              <a:t>Hyperparameters</a:t>
+            </a:r>
+            <a:endParaRPr lang="en-US" dirty="0" smtClean="0"/>
+          </a:p>
+          <a:p>
+            <a:pPr lvl="1"/>
             <a:r>
               <a:rPr lang="en-US" dirty="0" smtClean="0"/>
-              <a:t>Eliminating uninformative features</a:t>
-            </a:r>
+              <a:t>Metric: L1, L2</a:t>
+            </a:r>
+          </a:p>
+          <a:p>
+            <a:pPr lvl="1"/>
+            <a:r>
+              <a:rPr lang="en-US" dirty="0" smtClean="0"/>
+              <a:t>Regularization coefficient C</a:t>
+            </a:r>
+          </a:p>
+          <a:p>
+            <a:pPr lvl="1"/>
             <a:endParaRPr lang="en-US" dirty="0"/>
           </a:p>
-        </p:txBody>
-      </p:sp>
+          <a:p>
+            <a:r>
+              <a:rPr lang="en-US" dirty="0" smtClean="0"/>
+              <a:t>For textual data: direct mapping from Naïve Bayes classifier</a:t>
+            </a:r>
+            <a:endParaRPr lang="en-US" dirty="0"/>
+          </a:p>
+        </p:txBody>
+      </p:sp>
+      <p:pic>
+        <p:nvPicPr>
+          <p:cNvPr id="4" name="Picture 3"/>
+          <p:cNvPicPr>
+            <a:picLocks noChangeAspect="1"/>
+          </p:cNvPicPr>
+          <p:nvPr/>
+        </p:nvPicPr>
+        <p:blipFill>
+          <a:blip r:embed="rId2"/>
+          <a:stretch>
+            <a:fillRect/>
+          </a:stretch>
+        </p:blipFill>
+        <p:spPr>
+          <a:xfrm>
+            <a:off x="279400" y="1849902"/>
+            <a:ext cx="4067776" cy="4055598"/>
+          </a:xfrm>
+          <a:prstGeom prst="rect">
+            <a:avLst/>
+          </a:prstGeom>
+        </p:spPr>
+      </p:pic>
     </p:spTree>
     <p:extLst>
       <p:ext uri="{BB962C8B-B14F-4D97-AF65-F5344CB8AC3E}">
-        <p14:creationId xmlns:p14="http://schemas.microsoft.com/office/powerpoint/2010/main" val="1591441732"/>
+        <p14:creationId xmlns:p14="http://schemas.microsoft.com/office/powerpoint/2010/main" val="2019933275"/>
       </p:ext>
     </p:extLst>
   </p:cSld>
   <p:clrMapOvr>
     <a:masterClrMapping/>
   </p:clrMapOvr>
+  <p:timing>
+    <p:tnLst>
+      <p:par>
+        <p:cTn xmlns:p14="http://schemas.microsoft.com/office/powerpoint/2010/main" id="1" dur="indefinite" restart="never" nodeType="tmRoot"/>
+      </p:par>
+    </p:tnLst>
+  </p:timing>
 </p:sld>
 </file>
 
@@ -19291,44 +20085,1493 @@
           <a:lstStyle/>
           <a:p>
             <a:r>
+              <a:rPr lang="en-US" dirty="0" smtClean="0"/>
+              <a:t>Modeling Pipeline</a:t>
+            </a:r>
+            <a:endParaRPr lang="en-US" dirty="0"/>
+          </a:p>
+        </p:txBody>
+      </p:sp>
+      <p:sp>
+        <p:nvSpPr>
+          <p:cNvPr id="4" name="Rectangle 3"/>
+          <p:cNvSpPr/>
+          <p:nvPr/>
+        </p:nvSpPr>
+        <p:spPr>
+          <a:xfrm>
+            <a:off x="3162300" y="1753632"/>
+            <a:ext cx="2743200" cy="521732"/>
+          </a:xfrm>
+          <a:prstGeom prst="rect">
+            <a:avLst/>
+          </a:prstGeom>
+          <a:solidFill>
+            <a:schemeClr val="bg1"/>
+          </a:solidFill>
+          <a:ln>
+            <a:solidFill>
+              <a:schemeClr val="tx1"/>
+            </a:solidFill>
+          </a:ln>
+        </p:spPr>
+        <p:style>
+          <a:lnRef idx="1">
+            <a:schemeClr val="accent1"/>
+          </a:lnRef>
+          <a:fillRef idx="3">
+            <a:schemeClr val="accent1"/>
+          </a:fillRef>
+          <a:effectRef idx="2">
+            <a:schemeClr val="accent1"/>
+          </a:effectRef>
+          <a:fontRef idx="minor">
+            <a:schemeClr val="lt1"/>
+          </a:fontRef>
+        </p:style>
+        <p:txBody>
+          <a:bodyPr rtlCol="0" anchor="ctr"/>
+          <a:lstStyle/>
+          <a:p>
+            <a:pPr algn="ctr"/>
+            <a:endParaRPr lang="en-US" dirty="0"/>
+          </a:p>
+        </p:txBody>
+      </p:sp>
+      <p:sp>
+        <p:nvSpPr>
+          <p:cNvPr id="5" name="TextBox 4"/>
+          <p:cNvSpPr txBox="1"/>
+          <p:nvPr/>
+        </p:nvSpPr>
+        <p:spPr>
+          <a:xfrm>
+            <a:off x="3465611" y="1830864"/>
+            <a:ext cx="2198589" cy="369332"/>
+          </a:xfrm>
+          <a:prstGeom prst="rect">
+            <a:avLst/>
+          </a:prstGeom>
+          <a:noFill/>
+        </p:spPr>
+        <p:txBody>
+          <a:bodyPr wrap="none" rtlCol="0">
+            <a:spAutoFit/>
+          </a:bodyPr>
+          <a:lstStyle/>
+          <a:p>
+            <a:r>
+              <a:rPr lang="en-US" dirty="0" smtClean="0"/>
+              <a:t>Train-test split (0.2) </a:t>
+            </a:r>
+            <a:endParaRPr lang="en-US" dirty="0"/>
+          </a:p>
+        </p:txBody>
+      </p:sp>
+      <p:cxnSp>
+        <p:nvCxnSpPr>
+          <p:cNvPr id="8" name="Straight Arrow Connector 7"/>
+          <p:cNvCxnSpPr>
+            <a:stCxn id="4" idx="2"/>
+            <a:endCxn id="9" idx="0"/>
+          </p:cNvCxnSpPr>
+          <p:nvPr/>
+        </p:nvCxnSpPr>
+        <p:spPr>
+          <a:xfrm>
+            <a:off x="4533900" y="2275364"/>
+            <a:ext cx="0" cy="226536"/>
+          </a:xfrm>
+          <a:prstGeom prst="straightConnector1">
+            <a:avLst/>
+          </a:prstGeom>
+          <a:ln>
+            <a:tailEnd type="arrow"/>
+          </a:ln>
+        </p:spPr>
+        <p:style>
+          <a:lnRef idx="2">
+            <a:schemeClr val="accent1"/>
+          </a:lnRef>
+          <a:fillRef idx="0">
+            <a:schemeClr val="accent1"/>
+          </a:fillRef>
+          <a:effectRef idx="1">
+            <a:schemeClr val="accent1"/>
+          </a:effectRef>
+          <a:fontRef idx="minor">
+            <a:schemeClr val="tx1"/>
+          </a:fontRef>
+        </p:style>
+      </p:cxnSp>
+      <p:sp>
+        <p:nvSpPr>
+          <p:cNvPr id="9" name="Rectangle 8"/>
+          <p:cNvSpPr/>
+          <p:nvPr/>
+        </p:nvSpPr>
+        <p:spPr>
+          <a:xfrm>
+            <a:off x="3162300" y="2501900"/>
+            <a:ext cx="2743200" cy="521732"/>
+          </a:xfrm>
+          <a:prstGeom prst="rect">
+            <a:avLst/>
+          </a:prstGeom>
+          <a:solidFill>
+            <a:schemeClr val="bg1"/>
+          </a:solidFill>
+          <a:ln>
+            <a:solidFill>
+              <a:schemeClr val="tx1"/>
+            </a:solidFill>
+          </a:ln>
+        </p:spPr>
+        <p:style>
+          <a:lnRef idx="1">
+            <a:schemeClr val="accent1"/>
+          </a:lnRef>
+          <a:fillRef idx="3">
+            <a:schemeClr val="accent1"/>
+          </a:fillRef>
+          <a:effectRef idx="2">
+            <a:schemeClr val="accent1"/>
+          </a:effectRef>
+          <a:fontRef idx="minor">
+            <a:schemeClr val="lt1"/>
+          </a:fontRef>
+        </p:style>
+        <p:txBody>
+          <a:bodyPr rtlCol="0" anchor="ctr"/>
+          <a:lstStyle/>
+          <a:p>
+            <a:pPr algn="ctr"/>
+            <a:endParaRPr lang="en-US" dirty="0"/>
+          </a:p>
+        </p:txBody>
+      </p:sp>
+      <p:sp>
+        <p:nvSpPr>
+          <p:cNvPr id="10" name="TextBox 9"/>
+          <p:cNvSpPr txBox="1"/>
+          <p:nvPr/>
+        </p:nvSpPr>
+        <p:spPr>
+          <a:xfrm>
+            <a:off x="3369438" y="2579132"/>
+            <a:ext cx="2303523" cy="369332"/>
+          </a:xfrm>
+          <a:prstGeom prst="rect">
+            <a:avLst/>
+          </a:prstGeom>
+          <a:noFill/>
+        </p:spPr>
+        <p:txBody>
+          <a:bodyPr wrap="none" rtlCol="0">
+            <a:spAutoFit/>
+          </a:bodyPr>
+          <a:lstStyle/>
+          <a:p>
+            <a:r>
+              <a:rPr lang="en-US" dirty="0" smtClean="0"/>
+              <a:t>Feature separation</a:t>
+            </a:r>
+            <a:endParaRPr lang="en-US" dirty="0"/>
+          </a:p>
+        </p:txBody>
+      </p:sp>
+      <p:cxnSp>
+        <p:nvCxnSpPr>
+          <p:cNvPr id="12" name="Straight Arrow Connector 11"/>
+          <p:cNvCxnSpPr>
+            <a:stCxn id="9" idx="1"/>
+            <a:endCxn id="21" idx="0"/>
+          </p:cNvCxnSpPr>
+          <p:nvPr/>
+        </p:nvCxnSpPr>
+        <p:spPr>
+          <a:xfrm flipH="1">
+            <a:off x="1739900" y="2762766"/>
+            <a:ext cx="1422400" cy="514866"/>
+          </a:xfrm>
+          <a:prstGeom prst="straightConnector1">
+            <a:avLst/>
+          </a:prstGeom>
+          <a:ln>
+            <a:tailEnd type="arrow"/>
+          </a:ln>
+        </p:spPr>
+        <p:style>
+          <a:lnRef idx="2">
+            <a:schemeClr val="accent1"/>
+          </a:lnRef>
+          <a:fillRef idx="0">
+            <a:schemeClr val="accent1"/>
+          </a:fillRef>
+          <a:effectRef idx="1">
+            <a:schemeClr val="accent1"/>
+          </a:effectRef>
+          <a:fontRef idx="minor">
+            <a:schemeClr val="tx1"/>
+          </a:fontRef>
+        </p:style>
+      </p:cxnSp>
+      <p:cxnSp>
+        <p:nvCxnSpPr>
+          <p:cNvPr id="15" name="Straight Arrow Connector 14"/>
+          <p:cNvCxnSpPr>
+            <a:stCxn id="9" idx="3"/>
+            <a:endCxn id="25" idx="0"/>
+          </p:cNvCxnSpPr>
+          <p:nvPr/>
+        </p:nvCxnSpPr>
+        <p:spPr>
+          <a:xfrm>
+            <a:off x="5905500" y="2762766"/>
+            <a:ext cx="1435100" cy="515898"/>
+          </a:xfrm>
+          <a:prstGeom prst="straightConnector1">
+            <a:avLst/>
+          </a:prstGeom>
+          <a:ln>
+            <a:tailEnd type="arrow"/>
+          </a:ln>
+        </p:spPr>
+        <p:style>
+          <a:lnRef idx="2">
+            <a:schemeClr val="accent1"/>
+          </a:lnRef>
+          <a:fillRef idx="0">
+            <a:schemeClr val="accent1"/>
+          </a:fillRef>
+          <a:effectRef idx="1">
+            <a:schemeClr val="accent1"/>
+          </a:effectRef>
+          <a:fontRef idx="minor">
+            <a:schemeClr val="tx1"/>
+          </a:fontRef>
+        </p:style>
+      </p:cxnSp>
+      <p:cxnSp>
+        <p:nvCxnSpPr>
+          <p:cNvPr id="17" name="Straight Arrow Connector 16"/>
+          <p:cNvCxnSpPr>
+            <a:stCxn id="9" idx="2"/>
+            <a:endCxn id="23" idx="0"/>
+          </p:cNvCxnSpPr>
+          <p:nvPr/>
+        </p:nvCxnSpPr>
+        <p:spPr>
+          <a:xfrm>
+            <a:off x="4533900" y="3023632"/>
+            <a:ext cx="0" cy="255032"/>
+          </a:xfrm>
+          <a:prstGeom prst="straightConnector1">
+            <a:avLst/>
+          </a:prstGeom>
+          <a:ln>
+            <a:tailEnd type="arrow"/>
+          </a:ln>
+        </p:spPr>
+        <p:style>
+          <a:lnRef idx="2">
+            <a:schemeClr val="accent1"/>
+          </a:lnRef>
+          <a:fillRef idx="0">
+            <a:schemeClr val="accent1"/>
+          </a:fillRef>
+          <a:effectRef idx="1">
+            <a:schemeClr val="accent1"/>
+          </a:effectRef>
+          <a:fontRef idx="minor">
+            <a:schemeClr val="tx1"/>
+          </a:fontRef>
+        </p:style>
+      </p:cxnSp>
+      <p:sp>
+        <p:nvSpPr>
+          <p:cNvPr id="21" name="Rectangle 20"/>
+          <p:cNvSpPr/>
+          <p:nvPr/>
+        </p:nvSpPr>
+        <p:spPr>
+          <a:xfrm>
+            <a:off x="368300" y="3277632"/>
+            <a:ext cx="2743200" cy="521732"/>
+          </a:xfrm>
+          <a:prstGeom prst="rect">
+            <a:avLst/>
+          </a:prstGeom>
+          <a:solidFill>
+            <a:schemeClr val="bg1"/>
+          </a:solidFill>
+          <a:ln>
+            <a:solidFill>
+              <a:schemeClr val="tx1"/>
+            </a:solidFill>
+          </a:ln>
+        </p:spPr>
+        <p:style>
+          <a:lnRef idx="1">
+            <a:schemeClr val="accent1"/>
+          </a:lnRef>
+          <a:fillRef idx="3">
+            <a:schemeClr val="accent1"/>
+          </a:fillRef>
+          <a:effectRef idx="2">
+            <a:schemeClr val="accent1"/>
+          </a:effectRef>
+          <a:fontRef idx="minor">
+            <a:schemeClr val="lt1"/>
+          </a:fontRef>
+        </p:style>
+        <p:txBody>
+          <a:bodyPr rtlCol="0" anchor="ctr"/>
+          <a:lstStyle/>
+          <a:p>
+            <a:pPr algn="ctr"/>
+            <a:endParaRPr lang="en-US" dirty="0"/>
+          </a:p>
+        </p:txBody>
+      </p:sp>
+      <p:sp>
+        <p:nvSpPr>
+          <p:cNvPr id="22" name="TextBox 21"/>
+          <p:cNvSpPr txBox="1"/>
+          <p:nvPr/>
+        </p:nvSpPr>
+        <p:spPr>
+          <a:xfrm>
+            <a:off x="588138" y="3342164"/>
+            <a:ext cx="1694319" cy="369332"/>
+          </a:xfrm>
+          <a:prstGeom prst="rect">
+            <a:avLst/>
+          </a:prstGeom>
+          <a:noFill/>
+        </p:spPr>
+        <p:txBody>
+          <a:bodyPr wrap="none" rtlCol="0">
+            <a:spAutoFit/>
+          </a:bodyPr>
+          <a:lstStyle/>
+          <a:p>
+            <a:r>
+              <a:rPr lang="en-US" dirty="0" smtClean="0"/>
+              <a:t>Project name</a:t>
+            </a:r>
+            <a:endParaRPr lang="en-US" dirty="0"/>
+          </a:p>
+        </p:txBody>
+      </p:sp>
+      <p:sp>
+        <p:nvSpPr>
+          <p:cNvPr id="23" name="Rectangle 22"/>
+          <p:cNvSpPr/>
+          <p:nvPr/>
+        </p:nvSpPr>
+        <p:spPr>
+          <a:xfrm>
+            <a:off x="3162300" y="3278664"/>
+            <a:ext cx="2743200" cy="521732"/>
+          </a:xfrm>
+          <a:prstGeom prst="rect">
+            <a:avLst/>
+          </a:prstGeom>
+          <a:solidFill>
+            <a:schemeClr val="bg1"/>
+          </a:solidFill>
+          <a:ln>
+            <a:solidFill>
+              <a:schemeClr val="tx1"/>
+            </a:solidFill>
+          </a:ln>
+        </p:spPr>
+        <p:style>
+          <a:lnRef idx="1">
+            <a:schemeClr val="accent1"/>
+          </a:lnRef>
+          <a:fillRef idx="3">
+            <a:schemeClr val="accent1"/>
+          </a:fillRef>
+          <a:effectRef idx="2">
+            <a:schemeClr val="accent1"/>
+          </a:effectRef>
+          <a:fontRef idx="minor">
+            <a:schemeClr val="lt1"/>
+          </a:fontRef>
+        </p:style>
+        <p:txBody>
+          <a:bodyPr rtlCol="0" anchor="ctr"/>
+          <a:lstStyle/>
+          <a:p>
+            <a:pPr algn="ctr"/>
+            <a:endParaRPr lang="en-US" dirty="0"/>
+          </a:p>
+        </p:txBody>
+      </p:sp>
+      <p:sp>
+        <p:nvSpPr>
+          <p:cNvPr id="24" name="TextBox 23"/>
+          <p:cNvSpPr txBox="1"/>
+          <p:nvPr/>
+        </p:nvSpPr>
+        <p:spPr>
+          <a:xfrm>
+            <a:off x="3369438" y="3355896"/>
+            <a:ext cx="2265877" cy="369332"/>
+          </a:xfrm>
+          <a:prstGeom prst="rect">
+            <a:avLst/>
+          </a:prstGeom>
+          <a:noFill/>
+        </p:spPr>
+        <p:txBody>
+          <a:bodyPr wrap="none" rtlCol="0">
+            <a:spAutoFit/>
+          </a:bodyPr>
+          <a:lstStyle/>
+          <a:p>
+            <a:r>
+              <a:rPr lang="en-US" dirty="0" smtClean="0"/>
+              <a:t>Project description</a:t>
+            </a:r>
+            <a:endParaRPr lang="en-US" dirty="0"/>
+          </a:p>
+        </p:txBody>
+      </p:sp>
+      <p:sp>
+        <p:nvSpPr>
+          <p:cNvPr id="25" name="Rectangle 24"/>
+          <p:cNvSpPr/>
+          <p:nvPr/>
+        </p:nvSpPr>
+        <p:spPr>
+          <a:xfrm>
+            <a:off x="5969000" y="3278664"/>
+            <a:ext cx="2743200" cy="521732"/>
+          </a:xfrm>
+          <a:prstGeom prst="rect">
+            <a:avLst/>
+          </a:prstGeom>
+          <a:solidFill>
+            <a:schemeClr val="bg1"/>
+          </a:solidFill>
+          <a:ln>
+            <a:solidFill>
+              <a:schemeClr val="tx1"/>
+            </a:solidFill>
+          </a:ln>
+        </p:spPr>
+        <p:style>
+          <a:lnRef idx="1">
+            <a:schemeClr val="accent1"/>
+          </a:lnRef>
+          <a:fillRef idx="3">
+            <a:schemeClr val="accent1"/>
+          </a:fillRef>
+          <a:effectRef idx="2">
+            <a:schemeClr val="accent1"/>
+          </a:effectRef>
+          <a:fontRef idx="minor">
+            <a:schemeClr val="lt1"/>
+          </a:fontRef>
+        </p:style>
+        <p:txBody>
+          <a:bodyPr rtlCol="0" anchor="ctr"/>
+          <a:lstStyle/>
+          <a:p>
+            <a:pPr algn="ctr"/>
+            <a:endParaRPr lang="en-US" dirty="0"/>
+          </a:p>
+        </p:txBody>
+      </p:sp>
+      <p:sp>
+        <p:nvSpPr>
+          <p:cNvPr id="26" name="TextBox 25"/>
+          <p:cNvSpPr txBox="1"/>
+          <p:nvPr/>
+        </p:nvSpPr>
+        <p:spPr>
+          <a:xfrm>
+            <a:off x="6188838" y="3355896"/>
+            <a:ext cx="2349058" cy="369332"/>
+          </a:xfrm>
+          <a:prstGeom prst="rect">
+            <a:avLst/>
+          </a:prstGeom>
+          <a:noFill/>
+        </p:spPr>
+        <p:txBody>
+          <a:bodyPr wrap="none" rtlCol="0">
+            <a:spAutoFit/>
+          </a:bodyPr>
+          <a:lstStyle/>
+          <a:p>
+            <a:r>
+              <a:rPr lang="en-US" dirty="0" smtClean="0"/>
+              <a:t>Remaining features</a:t>
+            </a:r>
+            <a:endParaRPr lang="en-US" dirty="0"/>
+          </a:p>
+        </p:txBody>
+      </p:sp>
+      <p:cxnSp>
+        <p:nvCxnSpPr>
+          <p:cNvPr id="31" name="Straight Arrow Connector 30"/>
+          <p:cNvCxnSpPr>
+            <a:stCxn id="23" idx="2"/>
+            <a:endCxn id="34" idx="0"/>
+          </p:cNvCxnSpPr>
+          <p:nvPr/>
+        </p:nvCxnSpPr>
+        <p:spPr>
+          <a:xfrm>
+            <a:off x="4533900" y="3800396"/>
+            <a:ext cx="0" cy="179864"/>
+          </a:xfrm>
+          <a:prstGeom prst="straightConnector1">
+            <a:avLst/>
+          </a:prstGeom>
+          <a:ln>
+            <a:tailEnd type="arrow"/>
+          </a:ln>
+        </p:spPr>
+        <p:style>
+          <a:lnRef idx="2">
+            <a:schemeClr val="accent1"/>
+          </a:lnRef>
+          <a:fillRef idx="0">
+            <a:schemeClr val="accent1"/>
+          </a:fillRef>
+          <a:effectRef idx="1">
+            <a:schemeClr val="accent1"/>
+          </a:effectRef>
+          <a:fontRef idx="minor">
+            <a:schemeClr val="tx1"/>
+          </a:fontRef>
+        </p:style>
+      </p:cxnSp>
+      <p:sp>
+        <p:nvSpPr>
+          <p:cNvPr id="32" name="Rectangle 31"/>
+          <p:cNvSpPr/>
+          <p:nvPr/>
+        </p:nvSpPr>
+        <p:spPr>
+          <a:xfrm>
+            <a:off x="368300" y="3979228"/>
+            <a:ext cx="2743200" cy="521732"/>
+          </a:xfrm>
+          <a:prstGeom prst="rect">
+            <a:avLst/>
+          </a:prstGeom>
+          <a:solidFill>
+            <a:schemeClr val="bg1"/>
+          </a:solidFill>
+          <a:ln>
+            <a:solidFill>
+              <a:schemeClr val="tx1"/>
+            </a:solidFill>
+          </a:ln>
+        </p:spPr>
+        <p:style>
+          <a:lnRef idx="1">
+            <a:schemeClr val="accent1"/>
+          </a:lnRef>
+          <a:fillRef idx="3">
+            <a:schemeClr val="accent1"/>
+          </a:fillRef>
+          <a:effectRef idx="2">
+            <a:schemeClr val="accent1"/>
+          </a:effectRef>
+          <a:fontRef idx="minor">
+            <a:schemeClr val="lt1"/>
+          </a:fontRef>
+        </p:style>
+        <p:txBody>
+          <a:bodyPr rtlCol="0" anchor="ctr"/>
+          <a:lstStyle/>
+          <a:p>
+            <a:pPr algn="ctr"/>
+            <a:endParaRPr lang="en-US" dirty="0"/>
+          </a:p>
+        </p:txBody>
+      </p:sp>
+      <p:sp>
+        <p:nvSpPr>
+          <p:cNvPr id="33" name="TextBox 32"/>
+          <p:cNvSpPr txBox="1"/>
+          <p:nvPr/>
+        </p:nvSpPr>
+        <p:spPr>
+          <a:xfrm>
+            <a:off x="588138" y="4043760"/>
+            <a:ext cx="2047330" cy="369332"/>
+          </a:xfrm>
+          <a:prstGeom prst="rect">
+            <a:avLst/>
+          </a:prstGeom>
+          <a:noFill/>
+        </p:spPr>
+        <p:txBody>
+          <a:bodyPr wrap="none" rtlCol="0">
+            <a:spAutoFit/>
+          </a:bodyPr>
+          <a:lstStyle/>
+          <a:p>
+            <a:r>
               <a:rPr lang="en-US" dirty="0" err="1" smtClean="0"/>
-              <a:t>Hyperparameter</a:t>
-            </a:r>
+              <a:t>CountVectorizer</a:t>
+            </a:r>
+            <a:endParaRPr lang="en-US" dirty="0"/>
+          </a:p>
+        </p:txBody>
+      </p:sp>
+      <p:sp>
+        <p:nvSpPr>
+          <p:cNvPr id="34" name="Rectangle 33"/>
+          <p:cNvSpPr/>
+          <p:nvPr/>
+        </p:nvSpPr>
+        <p:spPr>
+          <a:xfrm>
+            <a:off x="3162300" y="3980260"/>
+            <a:ext cx="2743200" cy="521732"/>
+          </a:xfrm>
+          <a:prstGeom prst="rect">
+            <a:avLst/>
+          </a:prstGeom>
+          <a:solidFill>
+            <a:schemeClr val="bg1"/>
+          </a:solidFill>
+          <a:ln>
+            <a:solidFill>
+              <a:schemeClr val="tx1"/>
+            </a:solidFill>
+          </a:ln>
+        </p:spPr>
+        <p:style>
+          <a:lnRef idx="1">
+            <a:schemeClr val="accent1"/>
+          </a:lnRef>
+          <a:fillRef idx="3">
+            <a:schemeClr val="accent1"/>
+          </a:fillRef>
+          <a:effectRef idx="2">
+            <a:schemeClr val="accent1"/>
+          </a:effectRef>
+          <a:fontRef idx="minor">
+            <a:schemeClr val="lt1"/>
+          </a:fontRef>
+        </p:style>
+        <p:txBody>
+          <a:bodyPr rtlCol="0" anchor="ctr"/>
+          <a:lstStyle/>
+          <a:p>
+            <a:pPr algn="ctr"/>
+            <a:endParaRPr lang="en-US" dirty="0"/>
+          </a:p>
+        </p:txBody>
+      </p:sp>
+      <p:sp>
+        <p:nvSpPr>
+          <p:cNvPr id="35" name="TextBox 34"/>
+          <p:cNvSpPr txBox="1"/>
+          <p:nvPr/>
+        </p:nvSpPr>
+        <p:spPr>
+          <a:xfrm>
+            <a:off x="3497535" y="4057492"/>
+            <a:ext cx="2047330" cy="369332"/>
+          </a:xfrm>
+          <a:prstGeom prst="rect">
+            <a:avLst/>
+          </a:prstGeom>
+          <a:noFill/>
+        </p:spPr>
+        <p:txBody>
+          <a:bodyPr wrap="none" rtlCol="0">
+            <a:spAutoFit/>
+          </a:bodyPr>
+          <a:lstStyle/>
+          <a:p>
+            <a:r>
+              <a:rPr lang="en-US" dirty="0" err="1" smtClean="0"/>
+              <a:t>CountVectorizer</a:t>
+            </a:r>
+            <a:endParaRPr lang="en-US" dirty="0"/>
+          </a:p>
+        </p:txBody>
+      </p:sp>
+      <p:sp>
+        <p:nvSpPr>
+          <p:cNvPr id="36" name="Rectangle 35"/>
+          <p:cNvSpPr/>
+          <p:nvPr/>
+        </p:nvSpPr>
+        <p:spPr>
+          <a:xfrm>
+            <a:off x="5969000" y="3980260"/>
+            <a:ext cx="2743200" cy="521732"/>
+          </a:xfrm>
+          <a:prstGeom prst="rect">
+            <a:avLst/>
+          </a:prstGeom>
+          <a:solidFill>
+            <a:schemeClr val="bg1"/>
+          </a:solidFill>
+          <a:ln>
+            <a:solidFill>
+              <a:schemeClr val="tx1"/>
+            </a:solidFill>
+          </a:ln>
+        </p:spPr>
+        <p:style>
+          <a:lnRef idx="1">
+            <a:schemeClr val="accent1"/>
+          </a:lnRef>
+          <a:fillRef idx="3">
+            <a:schemeClr val="accent1"/>
+          </a:fillRef>
+          <a:effectRef idx="2">
+            <a:schemeClr val="accent1"/>
+          </a:effectRef>
+          <a:fontRef idx="minor">
+            <a:schemeClr val="lt1"/>
+          </a:fontRef>
+        </p:style>
+        <p:txBody>
+          <a:bodyPr rtlCol="0" anchor="ctr"/>
+          <a:lstStyle/>
+          <a:p>
+            <a:pPr algn="ctr"/>
+            <a:endParaRPr lang="en-US" dirty="0"/>
+          </a:p>
+        </p:txBody>
+      </p:sp>
+      <p:sp>
+        <p:nvSpPr>
+          <p:cNvPr id="37" name="TextBox 36"/>
+          <p:cNvSpPr txBox="1"/>
+          <p:nvPr/>
+        </p:nvSpPr>
+        <p:spPr>
+          <a:xfrm>
+            <a:off x="6188838" y="4057492"/>
+            <a:ext cx="2349058" cy="369332"/>
+          </a:xfrm>
+          <a:prstGeom prst="rect">
+            <a:avLst/>
+          </a:prstGeom>
+          <a:noFill/>
+        </p:spPr>
+        <p:txBody>
+          <a:bodyPr wrap="square" rtlCol="0">
+            <a:spAutoFit/>
+          </a:bodyPr>
+          <a:lstStyle/>
+          <a:p>
+            <a:pPr algn="ctr"/>
             <a:r>
               <a:rPr lang="en-US" dirty="0" smtClean="0"/>
-              <a:t> optimization</a:t>
+              <a:t>-</a:t>
             </a:r>
             <a:endParaRPr lang="en-US" dirty="0"/>
           </a:p>
         </p:txBody>
       </p:sp>
-      <p:sp>
-        <p:nvSpPr>
-          <p:cNvPr id="3" name="Content Placeholder 2"/>
-          <p:cNvSpPr>
-            <a:spLocks noGrp="1"/>
-          </p:cNvSpPr>
-          <p:nvPr>
-            <p:ph idx="1"/>
-          </p:nvPr>
-        </p:nvSpPr>
-        <p:spPr/>
-        <p:txBody>
-          <a:bodyPr/>
+      <p:cxnSp>
+        <p:nvCxnSpPr>
+          <p:cNvPr id="38" name="Straight Arrow Connector 37"/>
+          <p:cNvCxnSpPr>
+            <a:stCxn id="34" idx="2"/>
+            <a:endCxn id="41" idx="0"/>
+          </p:cNvCxnSpPr>
+          <p:nvPr/>
+        </p:nvCxnSpPr>
+        <p:spPr>
+          <a:xfrm>
+            <a:off x="4533900" y="4501992"/>
+            <a:ext cx="0" cy="176768"/>
+          </a:xfrm>
+          <a:prstGeom prst="straightConnector1">
+            <a:avLst/>
+          </a:prstGeom>
+          <a:ln>
+            <a:tailEnd type="arrow"/>
+          </a:ln>
+        </p:spPr>
+        <p:style>
+          <a:lnRef idx="2">
+            <a:schemeClr val="accent1"/>
+          </a:lnRef>
+          <a:fillRef idx="0">
+            <a:schemeClr val="accent1"/>
+          </a:fillRef>
+          <a:effectRef idx="1">
+            <a:schemeClr val="accent1"/>
+          </a:effectRef>
+          <a:fontRef idx="minor">
+            <a:schemeClr val="tx1"/>
+          </a:fontRef>
+        </p:style>
+      </p:cxnSp>
+      <p:sp>
+        <p:nvSpPr>
+          <p:cNvPr id="39" name="Rectangle 38"/>
+          <p:cNvSpPr/>
+          <p:nvPr/>
+        </p:nvSpPr>
+        <p:spPr>
+          <a:xfrm>
+            <a:off x="368300" y="4677728"/>
+            <a:ext cx="2743200" cy="521732"/>
+          </a:xfrm>
+          <a:prstGeom prst="rect">
+            <a:avLst/>
+          </a:prstGeom>
+          <a:solidFill>
+            <a:schemeClr val="bg1"/>
+          </a:solidFill>
+          <a:ln>
+            <a:solidFill>
+              <a:schemeClr val="tx1"/>
+            </a:solidFill>
+          </a:ln>
+        </p:spPr>
+        <p:style>
+          <a:lnRef idx="1">
+            <a:schemeClr val="accent1"/>
+          </a:lnRef>
+          <a:fillRef idx="3">
+            <a:schemeClr val="accent1"/>
+          </a:fillRef>
+          <a:effectRef idx="2">
+            <a:schemeClr val="accent1"/>
+          </a:effectRef>
+          <a:fontRef idx="minor">
+            <a:schemeClr val="lt1"/>
+          </a:fontRef>
+        </p:style>
+        <p:txBody>
+          <a:bodyPr rtlCol="0" anchor="ctr"/>
           <a:lstStyle/>
           <a:p>
+            <a:pPr algn="ctr"/>
+            <a:endParaRPr lang="en-US" dirty="0"/>
+          </a:p>
+        </p:txBody>
+      </p:sp>
+      <p:sp>
+        <p:nvSpPr>
+          <p:cNvPr id="40" name="TextBox 39"/>
+          <p:cNvSpPr txBox="1"/>
+          <p:nvPr/>
+        </p:nvSpPr>
+        <p:spPr>
+          <a:xfrm>
+            <a:off x="588138" y="4742260"/>
+            <a:ext cx="1744250" cy="369332"/>
+          </a:xfrm>
+          <a:prstGeom prst="rect">
+            <a:avLst/>
+          </a:prstGeom>
+          <a:noFill/>
+        </p:spPr>
+        <p:txBody>
+          <a:bodyPr wrap="none" rtlCol="0">
+            <a:spAutoFit/>
+          </a:bodyPr>
+          <a:lstStyle/>
+          <a:p>
+            <a:r>
+              <a:rPr lang="en-US" dirty="0" err="1" smtClean="0"/>
+              <a:t>Kbest</a:t>
+            </a:r>
             <a:r>
               <a:rPr lang="en-US" dirty="0" smtClean="0"/>
-              <a:t>3-fold cross-validation</a:t>
-            </a:r>
-          </a:p>
-          <a:p>
-            <a:endParaRPr lang="en-US" dirty="0" smtClean="0"/>
-          </a:p>
-          <a:p>
+              <a:t> selector</a:t>
+            </a:r>
+            <a:endParaRPr lang="en-US" dirty="0"/>
+          </a:p>
+        </p:txBody>
+      </p:sp>
+      <p:sp>
+        <p:nvSpPr>
+          <p:cNvPr id="41" name="Rectangle 40"/>
+          <p:cNvSpPr/>
+          <p:nvPr/>
+        </p:nvSpPr>
+        <p:spPr>
+          <a:xfrm>
+            <a:off x="3162300" y="4678760"/>
+            <a:ext cx="2743200" cy="521732"/>
+          </a:xfrm>
+          <a:prstGeom prst="rect">
+            <a:avLst/>
+          </a:prstGeom>
+          <a:solidFill>
+            <a:schemeClr val="bg1"/>
+          </a:solidFill>
+          <a:ln>
+            <a:solidFill>
+              <a:schemeClr val="tx1"/>
+            </a:solidFill>
+          </a:ln>
+        </p:spPr>
+        <p:style>
+          <a:lnRef idx="1">
+            <a:schemeClr val="accent1"/>
+          </a:lnRef>
+          <a:fillRef idx="3">
+            <a:schemeClr val="accent1"/>
+          </a:fillRef>
+          <a:effectRef idx="2">
+            <a:schemeClr val="accent1"/>
+          </a:effectRef>
+          <a:fontRef idx="minor">
+            <a:schemeClr val="lt1"/>
+          </a:fontRef>
+        </p:style>
+        <p:txBody>
+          <a:bodyPr rtlCol="0" anchor="ctr"/>
+          <a:lstStyle/>
+          <a:p>
+            <a:pPr algn="ctr"/>
+            <a:endParaRPr lang="en-US" dirty="0"/>
+          </a:p>
+        </p:txBody>
+      </p:sp>
+      <p:sp>
+        <p:nvSpPr>
+          <p:cNvPr id="42" name="TextBox 41"/>
+          <p:cNvSpPr txBox="1"/>
+          <p:nvPr/>
+        </p:nvSpPr>
+        <p:spPr>
+          <a:xfrm>
+            <a:off x="3610975" y="4755992"/>
+            <a:ext cx="1744250" cy="369332"/>
+          </a:xfrm>
+          <a:prstGeom prst="rect">
+            <a:avLst/>
+          </a:prstGeom>
+          <a:noFill/>
+        </p:spPr>
+        <p:txBody>
+          <a:bodyPr wrap="none" rtlCol="0">
+            <a:spAutoFit/>
+          </a:bodyPr>
+          <a:lstStyle/>
+          <a:p>
+            <a:r>
+              <a:rPr lang="en-US" dirty="0" err="1" smtClean="0"/>
+              <a:t>Kbest</a:t>
+            </a:r>
             <a:r>
               <a:rPr lang="en-US" dirty="0" smtClean="0"/>
-              <a:t>Eliminating uninformative features</a:t>
+              <a:t> selector</a:t>
+            </a:r>
+            <a:endParaRPr lang="en-US" dirty="0"/>
+          </a:p>
+        </p:txBody>
+      </p:sp>
+      <p:sp>
+        <p:nvSpPr>
+          <p:cNvPr id="43" name="Rectangle 42"/>
+          <p:cNvSpPr/>
+          <p:nvPr/>
+        </p:nvSpPr>
+        <p:spPr>
+          <a:xfrm>
+            <a:off x="5969000" y="4678760"/>
+            <a:ext cx="2743200" cy="521732"/>
+          </a:xfrm>
+          <a:prstGeom prst="rect">
+            <a:avLst/>
+          </a:prstGeom>
+          <a:solidFill>
+            <a:schemeClr val="bg1"/>
+          </a:solidFill>
+          <a:ln>
+            <a:solidFill>
+              <a:schemeClr val="tx1"/>
+            </a:solidFill>
+          </a:ln>
+        </p:spPr>
+        <p:style>
+          <a:lnRef idx="1">
+            <a:schemeClr val="accent1"/>
+          </a:lnRef>
+          <a:fillRef idx="3">
+            <a:schemeClr val="accent1"/>
+          </a:fillRef>
+          <a:effectRef idx="2">
+            <a:schemeClr val="accent1"/>
+          </a:effectRef>
+          <a:fontRef idx="minor">
+            <a:schemeClr val="lt1"/>
+          </a:fontRef>
+        </p:style>
+        <p:txBody>
+          <a:bodyPr rtlCol="0" anchor="ctr"/>
+          <a:lstStyle/>
+          <a:p>
+            <a:pPr algn="ctr"/>
+            <a:endParaRPr lang="en-US" dirty="0"/>
+          </a:p>
+        </p:txBody>
+      </p:sp>
+      <p:sp>
+        <p:nvSpPr>
+          <p:cNvPr id="44" name="TextBox 43"/>
+          <p:cNvSpPr txBox="1"/>
+          <p:nvPr/>
+        </p:nvSpPr>
+        <p:spPr>
+          <a:xfrm>
+            <a:off x="6188838" y="4755992"/>
+            <a:ext cx="2349058" cy="369332"/>
+          </a:xfrm>
+          <a:prstGeom prst="rect">
+            <a:avLst/>
+          </a:prstGeom>
+          <a:noFill/>
+        </p:spPr>
+        <p:txBody>
+          <a:bodyPr wrap="square" rtlCol="0">
+            <a:spAutoFit/>
+          </a:bodyPr>
+          <a:lstStyle/>
+          <a:p>
+            <a:pPr algn="ctr"/>
+            <a:r>
+              <a:rPr lang="en-US" dirty="0" smtClean="0"/>
+              <a:t>-</a:t>
+            </a:r>
+            <a:endParaRPr lang="en-US" dirty="0"/>
+          </a:p>
+        </p:txBody>
+      </p:sp>
+      <p:cxnSp>
+        <p:nvCxnSpPr>
+          <p:cNvPr id="51" name="Straight Arrow Connector 50"/>
+          <p:cNvCxnSpPr/>
+          <p:nvPr/>
+        </p:nvCxnSpPr>
+        <p:spPr>
+          <a:xfrm>
+            <a:off x="1739900" y="4477624"/>
+            <a:ext cx="0" cy="176768"/>
+          </a:xfrm>
+          <a:prstGeom prst="straightConnector1">
+            <a:avLst/>
+          </a:prstGeom>
+          <a:ln>
+            <a:tailEnd type="arrow"/>
+          </a:ln>
+        </p:spPr>
+        <p:style>
+          <a:lnRef idx="2">
+            <a:schemeClr val="accent1"/>
+          </a:lnRef>
+          <a:fillRef idx="0">
+            <a:schemeClr val="accent1"/>
+          </a:fillRef>
+          <a:effectRef idx="1">
+            <a:schemeClr val="accent1"/>
+          </a:effectRef>
+          <a:fontRef idx="minor">
+            <a:schemeClr val="tx1"/>
+          </a:fontRef>
+        </p:style>
+      </p:cxnSp>
+      <p:cxnSp>
+        <p:nvCxnSpPr>
+          <p:cNvPr id="52" name="Straight Arrow Connector 51"/>
+          <p:cNvCxnSpPr/>
+          <p:nvPr/>
+        </p:nvCxnSpPr>
+        <p:spPr>
+          <a:xfrm>
+            <a:off x="7340600" y="4500960"/>
+            <a:ext cx="0" cy="176768"/>
+          </a:xfrm>
+          <a:prstGeom prst="straightConnector1">
+            <a:avLst/>
+          </a:prstGeom>
+          <a:ln>
+            <a:tailEnd type="arrow"/>
+          </a:ln>
+        </p:spPr>
+        <p:style>
+          <a:lnRef idx="2">
+            <a:schemeClr val="accent1"/>
+          </a:lnRef>
+          <a:fillRef idx="0">
+            <a:schemeClr val="accent1"/>
+          </a:fillRef>
+          <a:effectRef idx="1">
+            <a:schemeClr val="accent1"/>
+          </a:effectRef>
+          <a:fontRef idx="minor">
+            <a:schemeClr val="tx1"/>
+          </a:fontRef>
+        </p:style>
+      </p:cxnSp>
+      <p:cxnSp>
+        <p:nvCxnSpPr>
+          <p:cNvPr id="53" name="Straight Arrow Connector 52"/>
+          <p:cNvCxnSpPr/>
+          <p:nvPr/>
+        </p:nvCxnSpPr>
+        <p:spPr>
+          <a:xfrm>
+            <a:off x="1739900" y="3803492"/>
+            <a:ext cx="0" cy="176768"/>
+          </a:xfrm>
+          <a:prstGeom prst="straightConnector1">
+            <a:avLst/>
+          </a:prstGeom>
+          <a:ln>
+            <a:tailEnd type="arrow"/>
+          </a:ln>
+        </p:spPr>
+        <p:style>
+          <a:lnRef idx="2">
+            <a:schemeClr val="accent1"/>
+          </a:lnRef>
+          <a:fillRef idx="0">
+            <a:schemeClr val="accent1"/>
+          </a:fillRef>
+          <a:effectRef idx="1">
+            <a:schemeClr val="accent1"/>
+          </a:effectRef>
+          <a:fontRef idx="minor">
+            <a:schemeClr val="tx1"/>
+          </a:fontRef>
+        </p:style>
+      </p:cxnSp>
+      <p:cxnSp>
+        <p:nvCxnSpPr>
+          <p:cNvPr id="54" name="Straight Arrow Connector 53"/>
+          <p:cNvCxnSpPr>
+            <a:endCxn id="36" idx="0"/>
+          </p:cNvCxnSpPr>
+          <p:nvPr/>
+        </p:nvCxnSpPr>
+        <p:spPr>
+          <a:xfrm>
+            <a:off x="7340600" y="3803492"/>
+            <a:ext cx="0" cy="176768"/>
+          </a:xfrm>
+          <a:prstGeom prst="straightConnector1">
+            <a:avLst/>
+          </a:prstGeom>
+          <a:ln>
+            <a:tailEnd type="arrow"/>
+          </a:ln>
+        </p:spPr>
+        <p:style>
+          <a:lnRef idx="2">
+            <a:schemeClr val="accent1"/>
+          </a:lnRef>
+          <a:fillRef idx="0">
+            <a:schemeClr val="accent1"/>
+          </a:fillRef>
+          <a:effectRef idx="1">
+            <a:schemeClr val="accent1"/>
+          </a:effectRef>
+          <a:fontRef idx="minor">
+            <a:schemeClr val="tx1"/>
+          </a:fontRef>
+        </p:style>
+      </p:cxnSp>
+      <p:cxnSp>
+        <p:nvCxnSpPr>
+          <p:cNvPr id="57" name="Straight Arrow Connector 56"/>
+          <p:cNvCxnSpPr>
+            <a:stCxn id="39" idx="2"/>
+          </p:cNvCxnSpPr>
+          <p:nvPr/>
+        </p:nvCxnSpPr>
+        <p:spPr>
+          <a:xfrm>
+            <a:off x="1739900" y="5199460"/>
+            <a:ext cx="1409700" cy="439340"/>
+          </a:xfrm>
+          <a:prstGeom prst="straightConnector1">
+            <a:avLst/>
+          </a:prstGeom>
+          <a:ln>
+            <a:tailEnd type="arrow"/>
+          </a:ln>
+        </p:spPr>
+        <p:style>
+          <a:lnRef idx="2">
+            <a:schemeClr val="accent1"/>
+          </a:lnRef>
+          <a:fillRef idx="0">
+            <a:schemeClr val="accent1"/>
+          </a:fillRef>
+          <a:effectRef idx="1">
+            <a:schemeClr val="accent1"/>
+          </a:effectRef>
+          <a:fontRef idx="minor">
+            <a:schemeClr val="tx1"/>
+          </a:fontRef>
+        </p:style>
+      </p:cxnSp>
+      <p:sp>
+        <p:nvSpPr>
+          <p:cNvPr id="61" name="Rectangle 60"/>
+          <p:cNvSpPr/>
+          <p:nvPr/>
+        </p:nvSpPr>
+        <p:spPr>
+          <a:xfrm>
+            <a:off x="3166239" y="5376902"/>
+            <a:ext cx="2743200" cy="521732"/>
+          </a:xfrm>
+          <a:prstGeom prst="rect">
+            <a:avLst/>
+          </a:prstGeom>
+          <a:solidFill>
+            <a:schemeClr val="bg1"/>
+          </a:solidFill>
+          <a:ln>
+            <a:solidFill>
+              <a:schemeClr val="tx1"/>
+            </a:solidFill>
+          </a:ln>
+        </p:spPr>
+        <p:style>
+          <a:lnRef idx="1">
+            <a:schemeClr val="accent1"/>
+          </a:lnRef>
+          <a:fillRef idx="3">
+            <a:schemeClr val="accent1"/>
+          </a:fillRef>
+          <a:effectRef idx="2">
+            <a:schemeClr val="accent1"/>
+          </a:effectRef>
+          <a:fontRef idx="minor">
+            <a:schemeClr val="lt1"/>
+          </a:fontRef>
+        </p:style>
+        <p:txBody>
+          <a:bodyPr rtlCol="0" anchor="ctr"/>
+          <a:lstStyle/>
+          <a:p>
+            <a:pPr algn="ctr"/>
+            <a:endParaRPr lang="en-US" dirty="0"/>
+          </a:p>
+        </p:txBody>
+      </p:sp>
+      <p:sp>
+        <p:nvSpPr>
+          <p:cNvPr id="62" name="TextBox 61"/>
+          <p:cNvSpPr txBox="1"/>
+          <p:nvPr/>
+        </p:nvSpPr>
+        <p:spPr>
+          <a:xfrm>
+            <a:off x="3671637" y="5454134"/>
+            <a:ext cx="1724526" cy="369332"/>
+          </a:xfrm>
+          <a:prstGeom prst="rect">
+            <a:avLst/>
+          </a:prstGeom>
+          <a:noFill/>
+        </p:spPr>
+        <p:txBody>
+          <a:bodyPr wrap="none" rtlCol="0">
+            <a:spAutoFit/>
+          </a:bodyPr>
+          <a:lstStyle/>
+          <a:p>
+            <a:r>
+              <a:rPr lang="en-US" dirty="0" smtClean="0"/>
+              <a:t>Feature union</a:t>
+            </a:r>
+            <a:endParaRPr lang="en-US" dirty="0"/>
+          </a:p>
+        </p:txBody>
+      </p:sp>
+      <p:cxnSp>
+        <p:nvCxnSpPr>
+          <p:cNvPr id="69" name="Straight Arrow Connector 68"/>
+          <p:cNvCxnSpPr/>
+          <p:nvPr/>
+        </p:nvCxnSpPr>
+        <p:spPr>
+          <a:xfrm>
+            <a:off x="4533900" y="5199460"/>
+            <a:ext cx="0" cy="176768"/>
+          </a:xfrm>
+          <a:prstGeom prst="straightConnector1">
+            <a:avLst/>
+          </a:prstGeom>
+          <a:ln>
+            <a:tailEnd type="arrow"/>
+          </a:ln>
+        </p:spPr>
+        <p:style>
+          <a:lnRef idx="2">
+            <a:schemeClr val="accent1"/>
+          </a:lnRef>
+          <a:fillRef idx="0">
+            <a:schemeClr val="accent1"/>
+          </a:fillRef>
+          <a:effectRef idx="1">
+            <a:schemeClr val="accent1"/>
+          </a:effectRef>
+          <a:fontRef idx="minor">
+            <a:schemeClr val="tx1"/>
+          </a:fontRef>
+        </p:style>
+      </p:cxnSp>
+      <p:cxnSp>
+        <p:nvCxnSpPr>
+          <p:cNvPr id="71" name="Straight Arrow Connector 70"/>
+          <p:cNvCxnSpPr>
+            <a:stCxn id="43" idx="2"/>
+            <a:endCxn id="61" idx="3"/>
+          </p:cNvCxnSpPr>
+          <p:nvPr/>
+        </p:nvCxnSpPr>
+        <p:spPr>
+          <a:xfrm flipH="1">
+            <a:off x="5909439" y="5200492"/>
+            <a:ext cx="1431161" cy="437276"/>
+          </a:xfrm>
+          <a:prstGeom prst="straightConnector1">
+            <a:avLst/>
+          </a:prstGeom>
+          <a:ln>
+            <a:tailEnd type="arrow"/>
+          </a:ln>
+        </p:spPr>
+        <p:style>
+          <a:lnRef idx="2">
+            <a:schemeClr val="accent1"/>
+          </a:lnRef>
+          <a:fillRef idx="0">
+            <a:schemeClr val="accent1"/>
+          </a:fillRef>
+          <a:effectRef idx="1">
+            <a:schemeClr val="accent1"/>
+          </a:effectRef>
+          <a:fontRef idx="minor">
+            <a:schemeClr val="tx1"/>
+          </a:fontRef>
+        </p:style>
+      </p:cxnSp>
+      <p:cxnSp>
+        <p:nvCxnSpPr>
+          <p:cNvPr id="74" name="Straight Arrow Connector 73"/>
+          <p:cNvCxnSpPr/>
+          <p:nvPr/>
+        </p:nvCxnSpPr>
+        <p:spPr>
+          <a:xfrm>
+            <a:off x="4533900" y="5898634"/>
+            <a:ext cx="0" cy="176768"/>
+          </a:xfrm>
+          <a:prstGeom prst="straightConnector1">
+            <a:avLst/>
+          </a:prstGeom>
+          <a:ln>
+            <a:tailEnd type="arrow"/>
+          </a:ln>
+        </p:spPr>
+        <p:style>
+          <a:lnRef idx="2">
+            <a:schemeClr val="accent1"/>
+          </a:lnRef>
+          <a:fillRef idx="0">
+            <a:schemeClr val="accent1"/>
+          </a:fillRef>
+          <a:effectRef idx="1">
+            <a:schemeClr val="accent1"/>
+          </a:effectRef>
+          <a:fontRef idx="minor">
+            <a:schemeClr val="tx1"/>
+          </a:fontRef>
+        </p:style>
+      </p:cxnSp>
+      <p:sp>
+        <p:nvSpPr>
+          <p:cNvPr id="83" name="Rectangle 82"/>
+          <p:cNvSpPr/>
+          <p:nvPr/>
+        </p:nvSpPr>
+        <p:spPr>
+          <a:xfrm>
+            <a:off x="3162300" y="6102866"/>
+            <a:ext cx="2743200" cy="521732"/>
+          </a:xfrm>
+          <a:prstGeom prst="rect">
+            <a:avLst/>
+          </a:prstGeom>
+          <a:solidFill>
+            <a:schemeClr val="bg1"/>
+          </a:solidFill>
+          <a:ln>
+            <a:solidFill>
+              <a:schemeClr val="tx1"/>
+            </a:solidFill>
+          </a:ln>
+        </p:spPr>
+        <p:style>
+          <a:lnRef idx="1">
+            <a:schemeClr val="accent1"/>
+          </a:lnRef>
+          <a:fillRef idx="3">
+            <a:schemeClr val="accent1"/>
+          </a:fillRef>
+          <a:effectRef idx="2">
+            <a:schemeClr val="accent1"/>
+          </a:effectRef>
+          <a:fontRef idx="minor">
+            <a:schemeClr val="lt1"/>
+          </a:fontRef>
+        </p:style>
+        <p:txBody>
+          <a:bodyPr rtlCol="0" anchor="ctr"/>
+          <a:lstStyle/>
+          <a:p>
+            <a:pPr algn="ctr"/>
+            <a:endParaRPr lang="en-US" dirty="0"/>
+          </a:p>
+        </p:txBody>
+      </p:sp>
+      <p:sp>
+        <p:nvSpPr>
+          <p:cNvPr id="84" name="TextBox 83"/>
+          <p:cNvSpPr txBox="1"/>
+          <p:nvPr/>
+        </p:nvSpPr>
+        <p:spPr>
+          <a:xfrm>
+            <a:off x="3465611" y="6180098"/>
+            <a:ext cx="2181006" cy="369332"/>
+          </a:xfrm>
+          <a:prstGeom prst="rect">
+            <a:avLst/>
+          </a:prstGeom>
+          <a:noFill/>
+        </p:spPr>
+        <p:txBody>
+          <a:bodyPr wrap="none" rtlCol="0">
+            <a:spAutoFit/>
+          </a:bodyPr>
+          <a:lstStyle/>
+          <a:p>
+            <a:r>
+              <a:rPr lang="en-US" dirty="0" smtClean="0"/>
+              <a:t>Logistic regression</a:t>
             </a:r>
             <a:endParaRPr lang="en-US" dirty="0"/>
           </a:p>
@@ -19337,13 +21580,20 @@
     </p:spTree>
     <p:extLst>
       <p:ext uri="{BB962C8B-B14F-4D97-AF65-F5344CB8AC3E}">
-        <p14:creationId xmlns:p14="http://schemas.microsoft.com/office/powerpoint/2010/main" val="950410352"/>
+        <p14:creationId xmlns:p14="http://schemas.microsoft.com/office/powerpoint/2010/main" val="1591441732"/>
       </p:ext>
     </p:extLst>
   </p:cSld>
   <p:clrMapOvr>
     <a:masterClrMapping/>
   </p:clrMapOvr>
+  <p:timing>
+    <p:tnLst>
+      <p:par>
+        <p:cTn xmlns:p14="http://schemas.microsoft.com/office/powerpoint/2010/main" id="1" dur="indefinite" restart="never" nodeType="tmRoot"/>
+      </p:par>
+    </p:tnLst>
+  </p:timing>
 </p:sld>
 </file>
 
@@ -19382,8 +21632,12 @@
           <a:lstStyle/>
           <a:p>
             <a:r>
+              <a:rPr lang="en-US" dirty="0" err="1" smtClean="0"/>
+              <a:t>Hyperparameter</a:t>
+            </a:r>
+            <a:r>
               <a:rPr lang="en-US" dirty="0" smtClean="0"/>
-              <a:t>Model evaluation</a:t>
+              <a:t> optimization</a:t>
             </a:r>
             <a:endParaRPr lang="en-US" dirty="0"/>
           </a:p>
@@ -19399,14 +21653,11 @@
             <p:ph idx="1"/>
           </p:nvPr>
         </p:nvSpPr>
-        <p:spPr>
-          <a:xfrm>
-            <a:off x="5740400" y="1752600"/>
-            <a:ext cx="2946400" cy="4373563"/>
-          </a:xfrm>
-        </p:spPr>
-        <p:txBody>
-          <a:bodyPr/>
+        <p:spPr/>
+        <p:txBody>
+          <a:bodyPr>
+            <a:normAutofit fontScale="92500" lnSpcReduction="10000"/>
+          </a:bodyPr>
           <a:lstStyle/>
           <a:p>
             <a:r>
@@ -19415,51 +21666,99 @@
             </a:r>
           </a:p>
           <a:p>
+            <a:endParaRPr lang="en-US" dirty="0"/>
+          </a:p>
+          <a:p>
+            <a:r>
+              <a:rPr lang="en-US" dirty="0" smtClean="0"/>
+              <a:t>Grid search</a:t>
+            </a:r>
+          </a:p>
+          <a:p>
+            <a:endParaRPr lang="en-US" dirty="0"/>
+          </a:p>
+          <a:p>
+            <a:r>
+              <a:rPr lang="en-US" dirty="0" err="1" smtClean="0"/>
+              <a:t>Hyperparameters</a:t>
+            </a:r>
             <a:endParaRPr lang="en-US" dirty="0" smtClean="0"/>
           </a:p>
           <a:p>
+            <a:pPr lvl="1"/>
             <a:r>
               <a:rPr lang="en-US" dirty="0" smtClean="0"/>
-              <a:t>Eliminating uninformative features</a:t>
-            </a:r>
+              <a:t>L1, L2 - Logistic regression loss functions</a:t>
+            </a:r>
+          </a:p>
+          <a:p>
+            <a:pPr lvl="1"/>
+            <a:r>
+              <a:rPr lang="en-US" dirty="0" smtClean="0"/>
+              <a:t>C – Logistic regression regularization coefficient</a:t>
+            </a:r>
+          </a:p>
+          <a:p>
+            <a:pPr lvl="1"/>
+            <a:r>
+              <a:rPr lang="en-US" dirty="0" smtClean="0"/>
+              <a:t>K – number of most informative words used for regression</a:t>
+            </a:r>
+          </a:p>
+          <a:p>
+            <a:pPr lvl="1"/>
+            <a:r>
+              <a:rPr lang="en-US" dirty="0" smtClean="0"/>
+              <a:t>Chi2, mutual information – metrics for </a:t>
+            </a:r>
+            <a:r>
+              <a:rPr lang="en-US" dirty="0" err="1" smtClean="0"/>
+              <a:t>KBest</a:t>
+            </a:r>
+            <a:r>
+              <a:rPr lang="en-US" dirty="0" smtClean="0"/>
+              <a:t> selection</a:t>
+            </a:r>
+          </a:p>
+          <a:p>
+            <a:pPr lvl="1"/>
             <a:endParaRPr lang="en-US" dirty="0"/>
           </a:p>
-        </p:txBody>
-      </p:sp>
-      <p:pic>
-        <p:nvPicPr>
-          <p:cNvPr id="4" name="Picture 3"/>
-          <p:cNvPicPr>
-            <a:picLocks noChangeAspect="1"/>
-          </p:cNvPicPr>
-          <p:nvPr/>
-        </p:nvPicPr>
-        <p:blipFill>
-          <a:blip r:embed="rId2"/>
-          <a:stretch>
-            <a:fillRect/>
-          </a:stretch>
-        </p:blipFill>
-        <p:spPr>
-          <a:xfrm>
-            <a:off x="533399" y="2108200"/>
-            <a:ext cx="4973189" cy="3505200"/>
-          </a:xfrm>
-          <a:prstGeom prst="rect">
-            <a:avLst/>
-          </a:prstGeom>
-        </p:spPr>
-      </p:pic>
+          <a:p>
+            <a:r>
+              <a:rPr lang="en-US" dirty="0" smtClean="0"/>
+              <a:t>Chosen</a:t>
+            </a:r>
+          </a:p>
+          <a:p>
+            <a:pPr lvl="1"/>
+            <a:r>
+              <a:rPr lang="en-US" b="1" dirty="0" smtClean="0"/>
+              <a:t>L2, C=0.2, K = 2000, Chi2</a:t>
+            </a:r>
+          </a:p>
+          <a:p>
+            <a:endParaRPr lang="en-US" b="1" dirty="0" smtClean="0"/>
+          </a:p>
+        </p:txBody>
+      </p:sp>
     </p:spTree>
     <p:extLst>
       <p:ext uri="{BB962C8B-B14F-4D97-AF65-F5344CB8AC3E}">
-        <p14:creationId xmlns:p14="http://schemas.microsoft.com/office/powerpoint/2010/main" val="2199573570"/>
+        <p14:creationId xmlns:p14="http://schemas.microsoft.com/office/powerpoint/2010/main" val="950410352"/>
       </p:ext>
     </p:extLst>
   </p:cSld>
   <p:clrMapOvr>
     <a:masterClrMapping/>
   </p:clrMapOvr>
+  <p:timing>
+    <p:tnLst>
+      <p:par>
+        <p:cTn xmlns:p14="http://schemas.microsoft.com/office/powerpoint/2010/main" id="1" dur="indefinite" restart="never" nodeType="tmRoot"/>
+      </p:par>
+    </p:tnLst>
+  </p:timing>
 </p:sld>
 </file>
 
@@ -19499,7 +21798,7 @@
           <a:p>
             <a:r>
               <a:rPr lang="en-US" dirty="0" smtClean="0"/>
-              <a:t>Conclusions</a:t>
+              <a:t>Model evaluation</a:t>
             </a:r>
             <a:endParaRPr lang="en-US" dirty="0"/>
           </a:p>
@@ -19515,36 +21814,367 @@
             <p:ph idx="1"/>
           </p:nvPr>
         </p:nvSpPr>
-        <p:spPr/>
-        <p:txBody>
-          <a:bodyPr/>
+        <p:spPr>
+          <a:xfrm>
+            <a:off x="5551174" y="1752600"/>
+            <a:ext cx="3478526" cy="3924300"/>
+          </a:xfrm>
+        </p:spPr>
+        <p:txBody>
+          <a:bodyPr>
+            <a:normAutofit lnSpcReduction="10000"/>
+          </a:bodyPr>
           <a:lstStyle/>
           <a:p>
-            <a:r>
-              <a:rPr lang="en-US" dirty="0" smtClean="0"/>
-              <a:t>3-fold cross</a:t>
-            </a:r>
-            <a:r>
-              <a:rPr lang="en-US" smtClean="0"/>
-              <a:t>-validation</a:t>
-            </a:r>
-          </a:p>
-          <a:p>
-            <a:endParaRPr lang="en-US" dirty="0" smtClean="0"/>
-          </a:p>
-          <a:p>
-            <a:r>
-              <a:rPr lang="en-US" dirty="0" smtClean="0"/>
-              <a:t>Eliminating uninformative features</a:t>
-            </a:r>
-            <a:endParaRPr lang="en-US" dirty="0"/>
-          </a:p>
-        </p:txBody>
-      </p:sp>
+            <a:pPr marL="114300" indent="0">
+              <a:buNone/>
+            </a:pPr>
+            <a:r>
+              <a:rPr lang="en-US" sz="1800" dirty="0" smtClean="0"/>
+              <a:t>Area under Receiver operating characteristic (ROC) curve: </a:t>
+            </a:r>
+            <a:r>
+              <a:rPr lang="en-US" sz="1800" b="1" dirty="0" smtClean="0"/>
+              <a:t>0.83</a:t>
+            </a:r>
+            <a:r>
+              <a:rPr lang="en-US" sz="1800" dirty="0" smtClean="0"/>
+              <a:t> (‘good’ predictor)</a:t>
+            </a:r>
+          </a:p>
+          <a:p>
+            <a:pPr marL="114300" indent="0">
+              <a:buNone/>
+            </a:pPr>
+            <a:endParaRPr lang="en-US" sz="1800" dirty="0" smtClean="0"/>
+          </a:p>
+          <a:p>
+            <a:pPr marL="114300" indent="0">
+              <a:buNone/>
+            </a:pPr>
+            <a:r>
+              <a:rPr lang="en-US" sz="1800" dirty="0" smtClean="0"/>
+              <a:t>Accuracy: 0.75</a:t>
+            </a:r>
+          </a:p>
+          <a:p>
+            <a:pPr marL="114300" indent="0">
+              <a:buNone/>
+            </a:pPr>
+            <a:r>
+              <a:rPr lang="en-US" sz="1800" dirty="0" smtClean="0"/>
+              <a:t>Precision: 0.70</a:t>
+            </a:r>
+          </a:p>
+          <a:p>
+            <a:pPr marL="114300" indent="0">
+              <a:buNone/>
+            </a:pPr>
+            <a:r>
+              <a:rPr lang="en-US" sz="1800" dirty="0" smtClean="0"/>
+              <a:t>Recall: 0.60</a:t>
+            </a:r>
+          </a:p>
+          <a:p>
+            <a:pPr marL="114300" indent="0">
+              <a:buNone/>
+            </a:pPr>
+            <a:endParaRPr lang="en-US" sz="1800" dirty="0" smtClean="0"/>
+          </a:p>
+          <a:p>
+            <a:pPr marL="114300" indent="0">
+              <a:buNone/>
+            </a:pPr>
+            <a:r>
+              <a:rPr lang="en-US" sz="1800" b="1" dirty="0" smtClean="0"/>
+              <a:t>Comparison with staff picks</a:t>
+            </a:r>
+            <a:r>
+              <a:rPr lang="en-US" sz="1800" dirty="0" smtClean="0"/>
+              <a:t>:</a:t>
+            </a:r>
+          </a:p>
+          <a:p>
+            <a:pPr marL="114300" indent="0">
+              <a:buNone/>
+            </a:pPr>
+            <a:r>
+              <a:rPr lang="en-US" sz="1800" dirty="0" smtClean="0"/>
+              <a:t>(10% acceptance threshold):</a:t>
+            </a:r>
+          </a:p>
+          <a:p>
+            <a:pPr marL="114300" indent="0">
+              <a:buNone/>
+            </a:pPr>
+            <a:r>
+              <a:rPr lang="en-US" sz="1800" dirty="0" smtClean="0"/>
+              <a:t>Matches or exceeds human</a:t>
+            </a:r>
+          </a:p>
+          <a:p>
+            <a:pPr marL="114300" indent="0">
+              <a:buNone/>
+            </a:pPr>
+            <a:endParaRPr lang="en-US" sz="1800" dirty="0" smtClean="0"/>
+          </a:p>
+          <a:p>
+            <a:pPr marL="114300" indent="0">
+              <a:buNone/>
+            </a:pPr>
+            <a:endParaRPr lang="en-US" sz="1800" dirty="0"/>
+          </a:p>
+          <a:p>
+            <a:pPr marL="114300" indent="0">
+              <a:buNone/>
+            </a:pPr>
+            <a:endParaRPr lang="en-US" sz="1800" dirty="0" smtClean="0"/>
+          </a:p>
+        </p:txBody>
+      </p:sp>
+      <p:pic>
+        <p:nvPicPr>
+          <p:cNvPr id="4" name="Picture 3"/>
+          <p:cNvPicPr>
+            <a:picLocks noChangeAspect="1"/>
+          </p:cNvPicPr>
+          <p:nvPr/>
+        </p:nvPicPr>
+        <p:blipFill>
+          <a:blip r:embed="rId2"/>
+          <a:stretch>
+            <a:fillRect/>
+          </a:stretch>
+        </p:blipFill>
+        <p:spPr>
+          <a:xfrm>
+            <a:off x="159428" y="1727200"/>
+            <a:ext cx="5315546" cy="3746500"/>
+          </a:xfrm>
+          <a:prstGeom prst="rect">
+            <a:avLst/>
+          </a:prstGeom>
+        </p:spPr>
+      </p:pic>
+      <p:graphicFrame>
+        <p:nvGraphicFramePr>
+          <p:cNvPr id="6" name="Table 5"/>
+          <p:cNvGraphicFramePr>
+            <a:graphicFrameLocks noGrp="1"/>
+          </p:cNvGraphicFramePr>
+          <p:nvPr>
+            <p:extLst>
+              <p:ext uri="{D42A27DB-BD31-4B8C-83A1-F6EECF244321}">
+                <p14:modId xmlns:p14="http://schemas.microsoft.com/office/powerpoint/2010/main" val="3095343508"/>
+              </p:ext>
+            </p:extLst>
+          </p:nvPr>
+        </p:nvGraphicFramePr>
+        <p:xfrm>
+          <a:off x="1752600" y="5554980"/>
+          <a:ext cx="6096000" cy="1112520"/>
+        </p:xfrm>
+        <a:graphic>
+          <a:graphicData uri="http://schemas.openxmlformats.org/drawingml/2006/table">
+            <a:tbl>
+              <a:tblPr firstRow="1" bandRow="1">
+                <a:tableStyleId>{5C22544A-7EE6-4342-B048-85BDC9FD1C3A}</a:tableStyleId>
+              </a:tblPr>
+              <a:tblGrid>
+                <a:gridCol w="1524000"/>
+                <a:gridCol w="1524000"/>
+                <a:gridCol w="1524000"/>
+                <a:gridCol w="1524000"/>
+              </a:tblGrid>
+              <a:tr h="370840">
+                <a:tc>
+                  <a:txBody>
+                    <a:bodyPr/>
+                    <a:lstStyle/>
+                    <a:p>
+                      <a:endParaRPr lang="en-US" dirty="0"/>
+                    </a:p>
+                  </a:txBody>
+                  <a:tcPr/>
+                </a:tc>
+                <a:tc>
+                  <a:txBody>
+                    <a:bodyPr/>
+                    <a:lstStyle/>
+                    <a:p>
+                      <a:pPr algn="ctr"/>
+                      <a:r>
+                        <a:rPr lang="en-US" dirty="0" smtClean="0"/>
+                        <a:t>Precision</a:t>
+                      </a:r>
+                      <a:endParaRPr lang="en-US" dirty="0"/>
+                    </a:p>
+                  </a:txBody>
+                  <a:tcPr/>
+                </a:tc>
+                <a:tc>
+                  <a:txBody>
+                    <a:bodyPr/>
+                    <a:lstStyle/>
+                    <a:p>
+                      <a:pPr algn="ctr"/>
+                      <a:r>
+                        <a:rPr lang="en-US" dirty="0" smtClean="0"/>
+                        <a:t>Recall</a:t>
+                      </a:r>
+                      <a:endParaRPr lang="en-US" dirty="0"/>
+                    </a:p>
+                  </a:txBody>
+                  <a:tcPr/>
+                </a:tc>
+                <a:tc>
+                  <a:txBody>
+                    <a:bodyPr/>
+                    <a:lstStyle/>
+                    <a:p>
+                      <a:pPr algn="ctr"/>
+                      <a:r>
+                        <a:rPr lang="en-US" dirty="0" smtClean="0"/>
+                        <a:t>F1 score</a:t>
+                      </a:r>
+                      <a:endParaRPr lang="en-US" dirty="0"/>
+                    </a:p>
+                  </a:txBody>
+                  <a:tcPr/>
+                </a:tc>
+              </a:tr>
+              <a:tr h="370840">
+                <a:tc>
+                  <a:txBody>
+                    <a:bodyPr/>
+                    <a:lstStyle/>
+                    <a:p>
+                      <a:pPr algn="l"/>
+                      <a:r>
+                        <a:rPr lang="en-US" b="1" dirty="0" smtClean="0"/>
+                        <a:t>Model</a:t>
+                      </a:r>
+                      <a:endParaRPr lang="en-US" b="1" dirty="0"/>
+                    </a:p>
+                  </a:txBody>
+                  <a:tcPr/>
+                </a:tc>
+                <a:tc>
+                  <a:txBody>
+                    <a:bodyPr/>
+                    <a:lstStyle/>
+                    <a:p>
+                      <a:pPr algn="ctr"/>
+                      <a:r>
+                        <a:rPr lang="en-US" dirty="0" smtClean="0"/>
+                        <a:t>0.86</a:t>
+                      </a:r>
+                      <a:endParaRPr lang="en-US" dirty="0"/>
+                    </a:p>
+                  </a:txBody>
+                  <a:tcPr/>
+                </a:tc>
+                <a:tc>
+                  <a:txBody>
+                    <a:bodyPr/>
+                    <a:lstStyle/>
+                    <a:p>
+                      <a:pPr algn="ctr"/>
+                      <a:r>
+                        <a:rPr lang="en-US" dirty="0" smtClean="0"/>
+                        <a:t>0.23</a:t>
+                      </a:r>
+                      <a:endParaRPr lang="en-US" dirty="0"/>
+                    </a:p>
+                  </a:txBody>
+                  <a:tcPr/>
+                </a:tc>
+                <a:tc>
+                  <a:txBody>
+                    <a:bodyPr/>
+                    <a:lstStyle/>
+                    <a:p>
+                      <a:pPr algn="ctr"/>
+                      <a:r>
+                        <a:rPr lang="en-US" dirty="0" smtClean="0"/>
+                        <a:t>0.36</a:t>
+                      </a:r>
+                      <a:endParaRPr lang="en-US" dirty="0"/>
+                    </a:p>
+                  </a:txBody>
+                  <a:tcPr/>
+                </a:tc>
+              </a:tr>
+              <a:tr h="370840">
+                <a:tc>
+                  <a:txBody>
+                    <a:bodyPr/>
+                    <a:lstStyle/>
+                    <a:p>
+                      <a:pPr algn="l"/>
+                      <a:r>
+                        <a:rPr lang="en-US" b="1" dirty="0" smtClean="0"/>
+                        <a:t>Staff pick</a:t>
+                      </a:r>
+                      <a:endParaRPr lang="en-US" b="1" dirty="0"/>
+                    </a:p>
+                  </a:txBody>
+                  <a:tcPr/>
+                </a:tc>
+                <a:tc>
+                  <a:txBody>
+                    <a:bodyPr/>
+                    <a:lstStyle/>
+                    <a:p>
+                      <a:pPr algn="ctr"/>
+                      <a:r>
+                        <a:rPr lang="en-US" dirty="0" smtClean="0"/>
+                        <a:t>0.86</a:t>
+                      </a:r>
+                      <a:endParaRPr lang="en-US" dirty="0"/>
+                    </a:p>
+                  </a:txBody>
+                  <a:tcPr/>
+                </a:tc>
+                <a:tc>
+                  <a:txBody>
+                    <a:bodyPr/>
+                    <a:lstStyle/>
+                    <a:p>
+                      <a:pPr algn="ctr"/>
+                      <a:r>
+                        <a:rPr lang="en-US" dirty="0" smtClean="0"/>
+                        <a:t>0.21</a:t>
+                      </a:r>
+                      <a:endParaRPr lang="en-US" dirty="0"/>
+                    </a:p>
+                  </a:txBody>
+                  <a:tcPr/>
+                </a:tc>
+                <a:tc>
+                  <a:txBody>
+                    <a:bodyPr/>
+                    <a:lstStyle/>
+                    <a:p>
+                      <a:pPr algn="ctr"/>
+                      <a:r>
+                        <a:rPr lang="en-US" dirty="0" smtClean="0"/>
+                        <a:t>0.34</a:t>
+                      </a:r>
+                      <a:endParaRPr lang="en-US" dirty="0"/>
+                    </a:p>
+                  </a:txBody>
+                  <a:tcPr/>
+                </a:tc>
+              </a:tr>
+            </a:tbl>
+          </a:graphicData>
+        </a:graphic>
+      </p:graphicFrame>
     </p:spTree>
     <p:extLst>
       <p:ext uri="{BB962C8B-B14F-4D97-AF65-F5344CB8AC3E}">
-        <p14:creationId xmlns:p14="http://schemas.microsoft.com/office/powerpoint/2010/main" val="1951326698"/>
+        <p14:creationId xmlns:p14="http://schemas.microsoft.com/office/powerpoint/2010/main" val="2199573570"/>
       </p:ext>
     </p:extLst>
   </p:cSld>
@@ -19842,6 +22472,129 @@
 </p:sld>
 </file>
 
+<file path=ppt/slides/slide20.xml><?xml version="1.0" encoding="utf-8"?>
+<p:sld xmlns:a="http://schemas.openxmlformats.org/drawingml/2006/main" xmlns:r="http://schemas.openxmlformats.org/officeDocument/2006/relationships" xmlns:p="http://schemas.openxmlformats.org/presentationml/2006/main">
+  <p:cSld>
+    <p:spTree>
+      <p:nvGrpSpPr>
+        <p:cNvPr id="1" name=""/>
+        <p:cNvGrpSpPr/>
+        <p:nvPr/>
+      </p:nvGrpSpPr>
+      <p:grpSpPr>
+        <a:xfrm>
+          <a:off x="0" y="0"/>
+          <a:ext cx="0" cy="0"/>
+          <a:chOff x="0" y="0"/>
+          <a:chExt cx="0" cy="0"/>
+        </a:xfrm>
+      </p:grpSpPr>
+      <p:sp>
+        <p:nvSpPr>
+          <p:cNvPr id="2" name="Title 1"/>
+          <p:cNvSpPr>
+            <a:spLocks noGrp="1"/>
+          </p:cNvSpPr>
+          <p:nvPr>
+            <p:ph type="title"/>
+          </p:nvPr>
+        </p:nvSpPr>
+        <p:spPr/>
+        <p:txBody>
+          <a:bodyPr>
+            <a:normAutofit/>
+          </a:bodyPr>
+          <a:lstStyle/>
+          <a:p>
+            <a:r>
+              <a:rPr lang="en-US" dirty="0" smtClean="0"/>
+              <a:t>Conclusions</a:t>
+            </a:r>
+            <a:endParaRPr lang="en-US" dirty="0"/>
+          </a:p>
+        </p:txBody>
+      </p:sp>
+      <p:sp>
+        <p:nvSpPr>
+          <p:cNvPr id="3" name="Content Placeholder 2"/>
+          <p:cNvSpPr>
+            <a:spLocks noGrp="1"/>
+          </p:cNvSpPr>
+          <p:nvPr>
+            <p:ph idx="1"/>
+          </p:nvPr>
+        </p:nvSpPr>
+        <p:spPr/>
+        <p:txBody>
+          <a:bodyPr>
+            <a:normAutofit fontScale="85000" lnSpcReduction="20000"/>
+          </a:bodyPr>
+          <a:lstStyle/>
+          <a:p>
+            <a:r>
+              <a:rPr lang="en-US" dirty="0" smtClean="0"/>
+              <a:t>Predictive model of project success</a:t>
+            </a:r>
+          </a:p>
+          <a:p>
+            <a:endParaRPr lang="en-US" dirty="0"/>
+          </a:p>
+          <a:p>
+            <a:r>
+              <a:rPr lang="en-US" dirty="0" smtClean="0"/>
+              <a:t>Allows tuning crowdfunding proposal parameters, such as goal amount, project description, and refine category choice</a:t>
+            </a:r>
+          </a:p>
+          <a:p>
+            <a:pPr marL="114300" indent="0">
+              <a:buNone/>
+            </a:pPr>
+            <a:endParaRPr lang="en-US" dirty="0" smtClean="0"/>
+          </a:p>
+          <a:p>
+            <a:r>
+              <a:rPr lang="en-US" dirty="0" smtClean="0"/>
+              <a:t>Prediction metrics based on historical data can match or exceed human assessment (staff picks)</a:t>
+            </a:r>
+          </a:p>
+          <a:p>
+            <a:endParaRPr lang="en-US" dirty="0"/>
+          </a:p>
+          <a:p>
+            <a:r>
+              <a:rPr lang="en-US" dirty="0"/>
+              <a:t>Speed </a:t>
+            </a:r>
+            <a:r>
+              <a:rPr lang="en-US" dirty="0" smtClean="0"/>
+              <a:t>and accuracy of the model can be used for filtering out ‘bad’ ideas and increasing the chance of good ones </a:t>
+            </a:r>
+          </a:p>
+          <a:p>
+            <a:endParaRPr lang="en-US" dirty="0" smtClean="0"/>
+          </a:p>
+          <a:p>
+            <a:r>
+              <a:rPr lang="en-US" dirty="0" smtClean="0"/>
+              <a:t>Model can be further improved by more sophisticated natural language processing methods and including interactions between features (beyond linear model)</a:t>
+            </a:r>
+            <a:endParaRPr lang="en-US" dirty="0"/>
+          </a:p>
+        </p:txBody>
+      </p:sp>
+    </p:spTree>
+    <p:extLst>
+      <p:ext uri="{BB962C8B-B14F-4D97-AF65-F5344CB8AC3E}">
+        <p14:creationId xmlns:p14="http://schemas.microsoft.com/office/powerpoint/2010/main" val="1951326698"/>
+      </p:ext>
+    </p:extLst>
+  </p:cSld>
+  <p:clrMapOvr>
+    <a:masterClrMapping/>
+  </p:clrMapOvr>
+</p:sld>
+</file>
+
 <file path=ppt/slides/slide3.xml><?xml version="1.0" encoding="utf-8"?>
 <p:sld xmlns:a="http://schemas.openxmlformats.org/drawingml/2006/main" xmlns:r="http://schemas.openxmlformats.org/officeDocument/2006/relationships" xmlns:p="http://schemas.openxmlformats.org/presentationml/2006/main">
   <p:cSld>
@@ -20178,7 +22931,7 @@
             <a:pPr lvl="1"/>
             <a:r>
               <a:rPr lang="en-US" dirty="0" smtClean="0"/>
-              <a:t>Modeling based on historical data</a:t>
+              <a:t>Predictive modeling based on historical data</a:t>
             </a:r>
             <a:endParaRPr lang="en-US" dirty="0"/>
           </a:p>
@@ -20594,6 +23347,13 @@
   <p:clrMapOvr>
     <a:masterClrMapping/>
   </p:clrMapOvr>
+  <p:timing>
+    <p:tnLst>
+      <p:par>
+        <p:cTn xmlns:p14="http://schemas.microsoft.com/office/powerpoint/2010/main" id="1" dur="indefinite" restart="never" nodeType="tmRoot"/>
+      </p:par>
+    </p:tnLst>
+  </p:timing>
 </p:sld>
 </file>
 
@@ -20679,8 +23439,12 @@
           </a:p>
           <a:p>
             <a:r>
+              <a:rPr lang="en-US" dirty="0" err="1" smtClean="0"/>
+              <a:t>Datastamp</a:t>
+            </a:r>
+            <a:r>
               <a:rPr lang="en-US" dirty="0" smtClean="0"/>
-              <a:t>Time strings converted to </a:t>
+              <a:t> strings converted to </a:t>
             </a:r>
             <a:r>
               <a:rPr lang="en-US" dirty="0" err="1" smtClean="0"/>
@@ -20716,11 +23480,18 @@
   <p:clrMapOvr>
     <a:masterClrMapping/>
   </p:clrMapOvr>
+  <p:timing>
+    <p:tnLst>
+      <p:par>
+        <p:cTn xmlns:p14="http://schemas.microsoft.com/office/powerpoint/2010/main" id="1" dur="indefinite" restart="never" nodeType="tmRoot"/>
+      </p:par>
+    </p:tnLst>
+  </p:timing>
 </p:sld>
 </file>
 
 <file path=ppt/slides/slide7.xml><?xml version="1.0" encoding="utf-8"?>
-<p:sld xmlns:a="http://schemas.openxmlformats.org/drawingml/2006/main" xmlns:r="http://schemas.openxmlformats.org/officeDocument/2006/relationships" xmlns:p="http://schemas.openxmlformats.org/presentationml/2006/main">
+<p:sld xmlns:a="http://schemas.openxmlformats.org/drawingml/2006/main" xmlns:r="http://schemas.openxmlformats.org/officeDocument/2006/relationships" xmlns:p="http://schemas.openxmlformats.org/presentationml/2006/main" showMasterSp="0">
   <p:cSld>
     <p:spTree>
       <p:nvGrpSpPr>
@@ -20748,9 +23519,14 @@
         </p:nvSpPr>
         <p:spPr>
           <a:xfrm>
-            <a:off x="426128" y="382972"/>
+            <a:off x="426128" y="2707072"/>
             <a:ext cx="8260672" cy="1039427"/>
           </a:xfrm>
+          <a:solidFill>
+            <a:schemeClr val="bg1">
+              <a:lumMod val="95000"/>
+            </a:schemeClr>
+          </a:solidFill>
         </p:spPr>
         <p:txBody>
           <a:bodyPr/>
@@ -20774,6 +23550,13 @@
   <p:clrMapOvr>
     <a:masterClrMapping/>
   </p:clrMapOvr>
+  <p:timing>
+    <p:tnLst>
+      <p:par>
+        <p:cTn xmlns:p14="http://schemas.microsoft.com/office/powerpoint/2010/main" id="1" dur="indefinite" restart="never" nodeType="tmRoot"/>
+      </p:par>
+    </p:tnLst>
+  </p:timing>
 </p:sld>
 </file>
 
@@ -20928,6 +23711,13 @@
   <p:clrMapOvr>
     <a:masterClrMapping/>
   </p:clrMapOvr>
+  <p:timing>
+    <p:tnLst>
+      <p:par>
+        <p:cTn xmlns:p14="http://schemas.microsoft.com/office/powerpoint/2010/main" id="1" dur="indefinite" restart="never" nodeType="tmRoot"/>
+      </p:par>
+    </p:tnLst>
+  </p:timing>
 </p:sld>
 </file>
 
@@ -21044,6 +23834,13 @@
   <p:clrMapOvr>
     <a:masterClrMapping/>
   </p:clrMapOvr>
+  <p:timing>
+    <p:tnLst>
+      <p:par>
+        <p:cTn xmlns:p14="http://schemas.microsoft.com/office/powerpoint/2010/main" id="1" dur="indefinite" restart="never" nodeType="tmRoot"/>
+      </p:par>
+    </p:tnLst>
+  </p:timing>
 </p:sld>
 </file>
 
